--- a/PPT/Angular09-Directives.pptx
+++ b/PPT/Angular09-Directives.pptx
@@ -3705,11 +3705,7 @@
             <a:pPr eaLnBrk="1" hangingPunct="1"/>
             <a:r>
               <a:rPr lang="fr-FR" altLang="fr-FR" smtClean="0"/>
-              <a:t>Chapitre </a:t>
-            </a:r>
-            <a:r>
-              <a:rPr lang="fr-FR" altLang="fr-FR" smtClean="0"/>
-              <a:t>9</a:t>
+              <a:t>Chapitre 9</a:t>
             </a:r>
             <a:endParaRPr lang="fr-FR" altLang="fr-FR" dirty="0" smtClean="0"/>
           </a:p>
@@ -4715,6 +4711,13 @@
   <p:clrMapOvr>
     <a:masterClrMapping/>
   </p:clrMapOvr>
+  <p:timing>
+    <p:tnLst>
+      <p:par>
+        <p:cTn id="1" dur="indefinite" restart="never" nodeType="tmRoot"/>
+      </p:par>
+    </p:tnLst>
+  </p:timing>
 </p:sld>
 </file>
 
@@ -4833,6 +4836,13 @@
   <p:clrMapOvr>
     <a:masterClrMapping/>
   </p:clrMapOvr>
+  <p:timing>
+    <p:tnLst>
+      <p:par>
+        <p:cTn id="1" dur="indefinite" restart="never" nodeType="tmRoot"/>
+      </p:par>
+    </p:tnLst>
+  </p:timing>
 </p:sld>
 </file>
 
@@ -4998,6 +5008,13 @@
   <p:clrMapOvr>
     <a:masterClrMapping/>
   </p:clrMapOvr>
+  <p:timing>
+    <p:tnLst>
+      <p:par>
+        <p:cTn id="1" dur="indefinite" restart="never" nodeType="tmRoot"/>
+      </p:par>
+    </p:tnLst>
+  </p:timing>
 </p:sld>
 </file>
 
@@ -5094,6 +5111,13 @@
   <p:clrMapOvr>
     <a:masterClrMapping/>
   </p:clrMapOvr>
+  <p:timing>
+    <p:tnLst>
+      <p:par>
+        <p:cTn id="1" dur="indefinite" restart="never" nodeType="tmRoot"/>
+      </p:par>
+    </p:tnLst>
+  </p:timing>
 </p:sld>
 </file>
 
@@ -5177,6 +5201,13 @@
   <p:clrMapOvr>
     <a:masterClrMapping/>
   </p:clrMapOvr>
+  <p:timing>
+    <p:tnLst>
+      <p:par>
+        <p:cTn id="1" dur="indefinite" restart="never" nodeType="tmRoot"/>
+      </p:par>
+    </p:tnLst>
+  </p:timing>
 </p:sld>
 </file>
 
@@ -5569,25 +5600,6 @@
             <a:r>
               <a:rPr lang="fr-FR" dirty="0" err="1" smtClean="0"/>
               <a:t>repeater</a:t>
-            </a:r>
-            <a:endParaRPr lang="fr-FR" dirty="0" smtClean="0"/>
-          </a:p>
-          <a:p>
-            <a:pPr lvl="1"/>
-            <a:r>
-              <a:rPr lang="fr-FR" dirty="0" smtClean="0"/>
-              <a:t>Li est l’élément hôte</a:t>
-            </a:r>
-          </a:p>
-          <a:p>
-            <a:pPr lvl="2"/>
-            <a:r>
-              <a:rPr lang="fr-FR" dirty="0" smtClean="0"/>
-              <a:t>non répété contrairement à </a:t>
-            </a:r>
-            <a:r>
-              <a:rPr lang="fr-FR" dirty="0" err="1" smtClean="0"/>
-              <a:t>AngularJS</a:t>
             </a:r>
             <a:endParaRPr lang="fr-FR" dirty="0" smtClean="0"/>
           </a:p>
@@ -5924,8 +5936,17 @@
             </a:r>
             <a:r>
               <a:rPr lang="fr-FR" dirty="0" smtClean="0"/>
+              <a:t> ou </a:t>
+            </a:r>
+            <a:r>
+              <a:rPr lang="fr-FR" dirty="0" err="1" smtClean="0"/>
+              <a:t>null</a:t>
+            </a:r>
+            <a:r>
+              <a:rPr lang="fr-FR" dirty="0" smtClean="0"/>
               <a:t>)</a:t>
             </a:r>
+            <a:endParaRPr lang="fr-FR" dirty="0" smtClean="0"/>
           </a:p>
           <a:p>
             <a:pPr lvl="1"/>
@@ -6084,6 +6105,13 @@
   <p:clrMapOvr>
     <a:masterClrMapping/>
   </p:clrMapOvr>
+  <p:timing>
+    <p:tnLst>
+      <p:par>
+        <p:cTn id="1" dur="indefinite" restart="never" nodeType="tmRoot"/>
+      </p:par>
+    </p:tnLst>
+  </p:timing>
 </p:sld>
 </file>
 
@@ -6199,6 +6227,13 @@
   <p:clrMapOvr>
     <a:masterClrMapping/>
   </p:clrMapOvr>
+  <p:timing>
+    <p:tnLst>
+      <p:par>
+        <p:cTn id="1" dur="indefinite" restart="never" nodeType="tmRoot"/>
+      </p:par>
+    </p:tnLst>
+  </p:timing>
 </p:sld>
 </file>
 
@@ -6317,6 +6352,13 @@
   <p:clrMapOvr>
     <a:masterClrMapping/>
   </p:clrMapOvr>
+  <p:timing>
+    <p:tnLst>
+      <p:par>
+        <p:cTn id="1" dur="indefinite" restart="never" nodeType="tmRoot"/>
+      </p:par>
+    </p:tnLst>
+  </p:timing>
 </p:sld>
 </file>
 

--- a/PPT/Angular09-Directives.pptx
+++ b/PPT/Angular09-Directives.pptx
@@ -5,10 +5,10 @@
     <p:sldMasterId id="2147483653" r:id="rId1"/>
   </p:sldMasterIdLst>
   <p:notesMasterIdLst>
-    <p:notesMasterId r:id="rId19"/>
+    <p:notesMasterId r:id="rId24"/>
   </p:notesMasterIdLst>
   <p:handoutMasterIdLst>
-    <p:handoutMasterId r:id="rId20"/>
+    <p:handoutMasterId r:id="rId25"/>
   </p:handoutMasterIdLst>
   <p:sldIdLst>
     <p:sldId id="264" r:id="rId2"/>
@@ -24,10 +24,15 @@
     <p:sldId id="271" r:id="rId12"/>
     <p:sldId id="272" r:id="rId13"/>
     <p:sldId id="273" r:id="rId14"/>
-    <p:sldId id="277" r:id="rId15"/>
-    <p:sldId id="278" r:id="rId16"/>
-    <p:sldId id="279" r:id="rId17"/>
-    <p:sldId id="280" r:id="rId18"/>
+    <p:sldId id="285" r:id="rId15"/>
+    <p:sldId id="277" r:id="rId16"/>
+    <p:sldId id="278" r:id="rId17"/>
+    <p:sldId id="279" r:id="rId18"/>
+    <p:sldId id="281" r:id="rId19"/>
+    <p:sldId id="280" r:id="rId20"/>
+    <p:sldId id="282" r:id="rId21"/>
+    <p:sldId id="283" r:id="rId22"/>
+    <p:sldId id="284" r:id="rId23"/>
   </p:sldIdLst>
   <p:sldSz cx="9144000" cy="6858000" type="screen4x3"/>
   <p:notesSz cx="6648450" cy="9782175"/>
@@ -4754,8 +4759,8 @@
           <a:lstStyle/>
           <a:p>
             <a:r>
-              <a:rPr lang="fr-FR" dirty="0" smtClean="0"/>
-              <a:t>Création de directive</a:t>
+              <a:rPr lang="fr-FR" dirty="0" err="1" smtClean="0"/>
+              <a:t>ngContainer</a:t>
             </a:r>
             <a:endParaRPr lang="fr-FR" dirty="0"/>
           </a:p>
@@ -4778,71 +4783,50 @@
           <a:p>
             <a:r>
               <a:rPr lang="fr-FR" dirty="0" smtClean="0"/>
-              <a:t>Il est possible de créer soit même une directive</a:t>
-            </a:r>
-          </a:p>
-          <a:p>
-            <a:r>
-              <a:rPr lang="fr-FR" dirty="0" smtClean="0"/>
-              <a:t>Il existe 3 sortes de directives</a:t>
-            </a:r>
-          </a:p>
-          <a:p>
-            <a:pPr lvl="1"/>
-            <a:r>
-              <a:rPr lang="fr-FR" dirty="0" smtClean="0"/>
-              <a:t>Les composants qui sont des directives avec </a:t>
+              <a:t>Permet d'effectuer un </a:t>
             </a:r>
             <a:r>
               <a:rPr lang="fr-FR" dirty="0" err="1" smtClean="0"/>
-              <a:t>template</a:t>
-            </a:r>
-            <a:r>
-              <a:rPr lang="fr-FR" dirty="0" smtClean="0"/>
-              <a:t> HTML</a:t>
-            </a:r>
-          </a:p>
-          <a:p>
-            <a:pPr lvl="2"/>
-            <a:r>
-              <a:rPr lang="fr-FR" dirty="0" smtClean="0"/>
-              <a:t>Voir chapitre suivant</a:t>
-            </a:r>
-          </a:p>
-          <a:p>
-            <a:pPr lvl="1"/>
-            <a:r>
-              <a:rPr lang="fr-FR" dirty="0" smtClean="0"/>
-              <a:t>Les directives structurelles qui modifient le DOM</a:t>
-            </a:r>
-          </a:p>
-          <a:p>
-            <a:pPr lvl="1"/>
-            <a:r>
-              <a:rPr lang="fr-FR" dirty="0" smtClean="0"/>
-              <a:t>Les directives d'attribut qui apportent une modification à l'élément hôte</a:t>
+              <a:t>span</a:t>
             </a:r>
             <a:endParaRPr lang="fr-FR" dirty="0"/>
           </a:p>
         </p:txBody>
       </p:sp>
+      <p:pic>
+        <p:nvPicPr>
+          <p:cNvPr id="4" name="Image 3"/>
+          <p:cNvPicPr>
+            <a:picLocks noChangeAspect="1"/>
+          </p:cNvPicPr>
+          <p:nvPr/>
+        </p:nvPicPr>
+        <p:blipFill>
+          <a:blip r:embed="rId2"/>
+          <a:stretch>
+            <a:fillRect/>
+          </a:stretch>
+        </p:blipFill>
+        <p:spPr>
+          <a:xfrm>
+            <a:off x="2699792" y="2132856"/>
+            <a:ext cx="3579465" cy="3639523"/>
+          </a:xfrm>
+          <a:prstGeom prst="rect">
+            <a:avLst/>
+          </a:prstGeom>
+        </p:spPr>
+      </p:pic>
     </p:spTree>
     <p:extLst>
       <p:ext uri="{BB962C8B-B14F-4D97-AF65-F5344CB8AC3E}">
-        <p14:creationId xmlns:p14="http://schemas.microsoft.com/office/powerpoint/2010/main" val="352958607"/>
+        <p14:creationId xmlns:p14="http://schemas.microsoft.com/office/powerpoint/2010/main" val="2074579251"/>
       </p:ext>
     </p:extLst>
   </p:cSld>
   <p:clrMapOvr>
     <a:masterClrMapping/>
   </p:clrMapOvr>
-  <p:timing>
-    <p:tnLst>
-      <p:par>
-        <p:cTn id="1" dur="indefinite" restart="never" nodeType="tmRoot"/>
-      </p:par>
-    </p:tnLst>
-  </p:timing>
 </p:sld>
 </file>
 
@@ -4880,7 +4864,7 @@
           <a:p>
             <a:r>
               <a:rPr lang="fr-FR" dirty="0" smtClean="0"/>
-              <a:t>Création d'une directive attribut</a:t>
+              <a:t>Création de directive</a:t>
             </a:r>
             <a:endParaRPr lang="fr-FR" dirty="0"/>
           </a:p>
@@ -4903,105 +4887,58 @@
           <a:p>
             <a:r>
               <a:rPr lang="fr-FR" dirty="0" smtClean="0"/>
-              <a:t>Afin d'effectuer le code suivant</a:t>
+              <a:t>Il est possible de créer soit même une directive</a:t>
+            </a:r>
+          </a:p>
+          <a:p>
+            <a:r>
+              <a:rPr lang="fr-FR" dirty="0" smtClean="0"/>
+              <a:t>Il existe 3 sortes de directives</a:t>
             </a:r>
           </a:p>
           <a:p>
             <a:pPr lvl="1"/>
             <a:r>
-              <a:rPr lang="fr-FR" dirty="0"/>
-              <a:t>&lt;p </a:t>
-            </a:r>
-            <a:r>
-              <a:rPr lang="fr-FR" dirty="0" err="1"/>
-              <a:t>appHighlight</a:t>
-            </a:r>
-            <a:r>
-              <a:rPr lang="fr-FR" dirty="0"/>
-              <a:t>&gt;</a:t>
-            </a:r>
-            <a:r>
-              <a:rPr lang="fr-FR" dirty="0" err="1"/>
-              <a:t>Highlight</a:t>
-            </a:r>
-            <a:r>
-              <a:rPr lang="fr-FR" dirty="0"/>
-              <a:t> me!&lt;/p</a:t>
-            </a:r>
-            <a:r>
-              <a:rPr lang="fr-FR" dirty="0" smtClean="0"/>
-              <a:t>&gt;</a:t>
+              <a:rPr lang="fr-FR" dirty="0" smtClean="0"/>
+              <a:t>Les composants qui sont des directives avec </a:t>
+            </a:r>
+            <a:r>
+              <a:rPr lang="fr-FR" dirty="0" err="1" smtClean="0"/>
+              <a:t>template</a:t>
+            </a:r>
+            <a:r>
+              <a:rPr lang="fr-FR" dirty="0" smtClean="0"/>
+              <a:t> HTML</a:t>
+            </a:r>
+          </a:p>
+          <a:p>
+            <a:pPr lvl="2"/>
+            <a:r>
+              <a:rPr lang="fr-FR" dirty="0" smtClean="0"/>
+              <a:t>Voir chapitre suivant</a:t>
             </a:r>
           </a:p>
           <a:p>
             <a:pPr lvl="1"/>
             <a:r>
               <a:rPr lang="fr-FR" dirty="0" smtClean="0"/>
-              <a:t>Il faut générer la directive</a:t>
+              <a:t>Les directives structurelles qui modifient le DOM</a:t>
             </a:r>
           </a:p>
           <a:p>
             <a:pPr lvl="1"/>
             <a:r>
-              <a:rPr lang="fr-FR" dirty="0" err="1"/>
-              <a:t>ng</a:t>
-            </a:r>
-            <a:r>
-              <a:rPr lang="fr-FR" dirty="0"/>
-              <a:t> </a:t>
-            </a:r>
-            <a:r>
-              <a:rPr lang="fr-FR" dirty="0" err="1"/>
-              <a:t>generate</a:t>
-            </a:r>
-            <a:r>
-              <a:rPr lang="fr-FR" dirty="0"/>
-              <a:t> directive </a:t>
-            </a:r>
-            <a:r>
-              <a:rPr lang="fr-FR" dirty="0" err="1" smtClean="0"/>
-              <a:t>highlight</a:t>
-            </a:r>
-            <a:endParaRPr lang="fr-FR" dirty="0" smtClean="0"/>
-          </a:p>
-          <a:p>
-            <a:pPr lvl="1"/>
-            <a:endParaRPr lang="fr-FR" dirty="0" smtClean="0"/>
-          </a:p>
-          <a:p>
-            <a:pPr lvl="1"/>
+              <a:rPr lang="fr-FR" dirty="0" smtClean="0"/>
+              <a:t>Les directives d'attribut qui apportent une modification à l'élément hôte</a:t>
+            </a:r>
             <a:endParaRPr lang="fr-FR" dirty="0"/>
           </a:p>
         </p:txBody>
       </p:sp>
-      <p:pic>
-        <p:nvPicPr>
-          <p:cNvPr id="4" name="Image 3"/>
-          <p:cNvPicPr>
-            <a:picLocks noChangeAspect="1"/>
-          </p:cNvPicPr>
-          <p:nvPr/>
-        </p:nvPicPr>
-        <p:blipFill>
-          <a:blip r:embed="rId2"/>
-          <a:stretch>
-            <a:fillRect/>
-          </a:stretch>
-        </p:blipFill>
-        <p:spPr>
-          <a:xfrm>
-            <a:off x="1187624" y="3284984"/>
-            <a:ext cx="6390736" cy="3962814"/>
-          </a:xfrm>
-          <a:prstGeom prst="rect">
-            <a:avLst/>
-          </a:prstGeom>
-        </p:spPr>
-      </p:pic>
     </p:spTree>
     <p:extLst>
       <p:ext uri="{BB962C8B-B14F-4D97-AF65-F5344CB8AC3E}">
-        <p14:creationId xmlns:p14="http://schemas.microsoft.com/office/powerpoint/2010/main" val="4154879116"/>
+        <p14:creationId xmlns:p14="http://schemas.microsoft.com/office/powerpoint/2010/main" val="352958607"/>
       </p:ext>
     </p:extLst>
   </p:cSld>
@@ -5052,7 +4989,7 @@
           <a:p>
             <a:r>
               <a:rPr lang="fr-FR" dirty="0" smtClean="0"/>
-              <a:t>Directive avec interaction</a:t>
+              <a:t>Création d'une directive attribut</a:t>
             </a:r>
             <a:endParaRPr lang="fr-FR" dirty="0"/>
           </a:p>
@@ -5073,7 +5010,104 @@
           <a:bodyPr/>
           <a:lstStyle/>
           <a:p>
-            <a:endParaRPr lang="fr-FR"/>
+            <a:r>
+              <a:rPr lang="fr-FR" dirty="0" smtClean="0"/>
+              <a:t>Afin d'effectuer le code suivant</a:t>
+            </a:r>
+          </a:p>
+          <a:p>
+            <a:pPr lvl="1"/>
+            <a:r>
+              <a:rPr lang="fr-FR" dirty="0"/>
+              <a:t>&lt;p </a:t>
+            </a:r>
+            <a:r>
+              <a:rPr lang="fr-FR" dirty="0" err="1"/>
+              <a:t>appHighlight</a:t>
+            </a:r>
+            <a:r>
+              <a:rPr lang="fr-FR" dirty="0"/>
+              <a:t>&gt;</a:t>
+            </a:r>
+            <a:r>
+              <a:rPr lang="fr-FR" dirty="0" err="1"/>
+              <a:t>Highlight</a:t>
+            </a:r>
+            <a:r>
+              <a:rPr lang="fr-FR" dirty="0"/>
+              <a:t> me!&lt;/p</a:t>
+            </a:r>
+            <a:r>
+              <a:rPr lang="fr-FR" dirty="0" smtClean="0"/>
+              <a:t>&gt;</a:t>
+            </a:r>
+          </a:p>
+          <a:p>
+            <a:pPr lvl="1"/>
+            <a:r>
+              <a:rPr lang="fr-FR" dirty="0" smtClean="0"/>
+              <a:t>Il faut générer la directive</a:t>
+            </a:r>
+          </a:p>
+          <a:p>
+            <a:pPr lvl="1"/>
+            <a:r>
+              <a:rPr lang="fr-FR" dirty="0" err="1"/>
+              <a:t>ng</a:t>
+            </a:r>
+            <a:r>
+              <a:rPr lang="fr-FR" dirty="0"/>
+              <a:t> </a:t>
+            </a:r>
+            <a:r>
+              <a:rPr lang="fr-FR" dirty="0" err="1"/>
+              <a:t>generate</a:t>
+            </a:r>
+            <a:r>
+              <a:rPr lang="fr-FR" dirty="0"/>
+              <a:t> directive </a:t>
+            </a:r>
+            <a:r>
+              <a:rPr lang="fr-FR" dirty="0" err="1" smtClean="0"/>
+              <a:t>highlight</a:t>
+            </a:r>
+            <a:endParaRPr lang="fr-FR" dirty="0" smtClean="0"/>
+          </a:p>
+          <a:p>
+            <a:pPr lvl="1"/>
+            <a:r>
+              <a:rPr lang="fr-FR" dirty="0" err="1"/>
+              <a:t>ElementRef</a:t>
+            </a:r>
+            <a:r>
+              <a:rPr lang="fr-FR" dirty="0"/>
+              <a:t> est injecté dans le constructeur par </a:t>
+            </a:r>
+            <a:r>
+              <a:rPr lang="fr-FR" dirty="0" err="1"/>
+              <a:t>Angular</a:t>
+            </a:r>
+            <a:r>
+              <a:rPr lang="fr-FR" dirty="0"/>
+              <a:t> afin de récupérer l'</a:t>
+            </a:r>
+            <a:r>
+              <a:rPr lang="fr-FR" dirty="0" err="1"/>
+              <a:t>élement</a:t>
+            </a:r>
+            <a:r>
+              <a:rPr lang="fr-FR" dirty="0"/>
+              <a:t> du DOM dans notre classe</a:t>
+            </a:r>
+            <a:endParaRPr lang="fr-FR" dirty="0" smtClean="0"/>
+          </a:p>
+          <a:p>
+            <a:pPr lvl="1"/>
+            <a:endParaRPr lang="fr-FR" dirty="0" smtClean="0"/>
+          </a:p>
+          <a:p>
+            <a:pPr lvl="1"/>
+            <a:endParaRPr lang="fr-FR" dirty="0"/>
           </a:p>
         </p:txBody>
       </p:sp>
@@ -5093,8 +5127,8 @@
         </p:blipFill>
         <p:spPr>
           <a:xfrm>
-            <a:off x="971600" y="908719"/>
-            <a:ext cx="6768752" cy="6001627"/>
+            <a:off x="2195736" y="4008208"/>
+            <a:ext cx="4356959" cy="2701695"/>
           </a:xfrm>
           <a:prstGeom prst="rect">
             <a:avLst/>
@@ -5104,7 +5138,7 @@
     </p:spTree>
     <p:extLst>
       <p:ext uri="{BB962C8B-B14F-4D97-AF65-F5344CB8AC3E}">
-        <p14:creationId xmlns:p14="http://schemas.microsoft.com/office/powerpoint/2010/main" val="4027374426"/>
+        <p14:creationId xmlns:p14="http://schemas.microsoft.com/office/powerpoint/2010/main" val="4154879116"/>
       </p:ext>
     </p:extLst>
   </p:cSld>
@@ -5155,7 +5189,139 @@
           <a:p>
             <a:r>
               <a:rPr lang="fr-FR" dirty="0" smtClean="0"/>
-              <a:t>Directives structurelles</a:t>
+              <a:t>Directive avec interaction</a:t>
+            </a:r>
+            <a:endParaRPr lang="fr-FR" dirty="0"/>
+          </a:p>
+        </p:txBody>
+      </p:sp>
+      <p:sp>
+        <p:nvSpPr>
+          <p:cNvPr id="3" name="Espace réservé du contenu 2"/>
+          <p:cNvSpPr>
+            <a:spLocks noGrp="1"/>
+          </p:cNvSpPr>
+          <p:nvPr>
+            <p:ph idx="1"/>
+          </p:nvPr>
+        </p:nvSpPr>
+        <p:spPr>
+          <a:xfrm>
+            <a:off x="179513" y="1412776"/>
+            <a:ext cx="3456384" cy="5040560"/>
+          </a:xfrm>
+        </p:spPr>
+        <p:txBody>
+          <a:bodyPr/>
+          <a:lstStyle/>
+          <a:p>
+            <a:r>
+              <a:rPr lang="fr-FR" sz="2400" dirty="0" err="1"/>
+              <a:t>Angular</a:t>
+            </a:r>
+            <a:r>
+              <a:rPr lang="fr-FR" sz="2400" dirty="0"/>
+              <a:t> propose le décorateur @</a:t>
+            </a:r>
+            <a:r>
+              <a:rPr lang="fr-FR" sz="2400" dirty="0" err="1"/>
+              <a:t>HostListener</a:t>
+            </a:r>
+            <a:r>
+              <a:rPr lang="fr-FR" sz="2400" dirty="0"/>
+              <a:t> pour positionner des </a:t>
+            </a:r>
+            <a:r>
+              <a:rPr lang="fr-FR" sz="2400" dirty="0" err="1"/>
+              <a:t>Listners</a:t>
+            </a:r>
+            <a:r>
+              <a:rPr lang="fr-FR" sz="2400" dirty="0"/>
+              <a:t> sur l'élément</a:t>
+            </a:r>
+            <a:endParaRPr lang="fr-FR" sz="2400" dirty="0"/>
+          </a:p>
+        </p:txBody>
+      </p:sp>
+      <p:pic>
+        <p:nvPicPr>
+          <p:cNvPr id="4" name="Image 3"/>
+          <p:cNvPicPr>
+            <a:picLocks noChangeAspect="1"/>
+          </p:cNvPicPr>
+          <p:nvPr/>
+        </p:nvPicPr>
+        <p:blipFill>
+          <a:blip r:embed="rId2"/>
+          <a:stretch>
+            <a:fillRect/>
+          </a:stretch>
+        </p:blipFill>
+        <p:spPr>
+          <a:xfrm>
+            <a:off x="3663193" y="932242"/>
+            <a:ext cx="6768752" cy="6001627"/>
+          </a:xfrm>
+          <a:prstGeom prst="rect">
+            <a:avLst/>
+          </a:prstGeom>
+        </p:spPr>
+      </p:pic>
+    </p:spTree>
+    <p:extLst>
+      <p:ext uri="{BB962C8B-B14F-4D97-AF65-F5344CB8AC3E}">
+        <p14:creationId xmlns:p14="http://schemas.microsoft.com/office/powerpoint/2010/main" val="4027374426"/>
+      </p:ext>
+    </p:extLst>
+  </p:cSld>
+  <p:clrMapOvr>
+    <a:masterClrMapping/>
+  </p:clrMapOvr>
+  <p:timing>
+    <p:tnLst>
+      <p:par>
+        <p:cTn id="1" dur="indefinite" restart="never" nodeType="tmRoot"/>
+      </p:par>
+    </p:tnLst>
+  </p:timing>
+</p:sld>
+</file>
+
+<file path=ppt/slides/slide18.xml><?xml version="1.0" encoding="utf-8"?>
+<p:sld xmlns:a="http://schemas.openxmlformats.org/drawingml/2006/main" xmlns:r="http://schemas.openxmlformats.org/officeDocument/2006/relationships" xmlns:p="http://schemas.openxmlformats.org/presentationml/2006/main">
+  <p:cSld>
+    <p:spTree>
+      <p:nvGrpSpPr>
+        <p:cNvPr id="1" name=""/>
+        <p:cNvGrpSpPr/>
+        <p:nvPr/>
+      </p:nvGrpSpPr>
+      <p:grpSpPr>
+        <a:xfrm>
+          <a:off x="0" y="0"/>
+          <a:ext cx="0" cy="0"/>
+          <a:chOff x="0" y="0"/>
+          <a:chExt cx="0" cy="0"/>
+        </a:xfrm>
+      </p:grpSpPr>
+      <p:sp>
+        <p:nvSpPr>
+          <p:cNvPr id="2" name="Titre 1"/>
+          <p:cNvSpPr>
+            <a:spLocks noGrp="1"/>
+          </p:cNvSpPr>
+          <p:nvPr>
+            <p:ph type="title"/>
+          </p:nvPr>
+        </p:nvSpPr>
+        <p:spPr/>
+        <p:txBody>
+          <a:bodyPr/>
+          <a:lstStyle/>
+          <a:p>
+            <a:r>
+              <a:rPr lang="fr-FR" dirty="0" smtClean="0"/>
+              <a:t>@Input</a:t>
             </a:r>
             <a:endParaRPr lang="fr-FR" dirty="0"/>
           </a:p>
@@ -5178,6 +5344,196 @@
           <a:p>
             <a:r>
               <a:rPr lang="fr-FR" dirty="0" smtClean="0"/>
+              <a:t>@Input sera vu plus en détail dans le chapitre suivant</a:t>
+            </a:r>
+          </a:p>
+          <a:p>
+            <a:r>
+              <a:rPr lang="fr-FR" dirty="0" smtClean="0"/>
+              <a:t>Permet de passer un paramètre à une directive</a:t>
+            </a:r>
+          </a:p>
+          <a:p>
+            <a:r>
+              <a:rPr lang="fr-FR" dirty="0" smtClean="0"/>
+              <a:t>Si on ajoute dans la directive le code suivant :</a:t>
+            </a:r>
+          </a:p>
+          <a:p>
+            <a:pPr marL="457200" lvl="1" indent="0">
+              <a:buNone/>
+            </a:pPr>
+            <a:r>
+              <a:rPr lang="fr-FR" dirty="0"/>
+              <a:t>@Input('</a:t>
+            </a:r>
+            <a:r>
+              <a:rPr lang="fr-FR" dirty="0" err="1"/>
+              <a:t>appHighlight</a:t>
+            </a:r>
+            <a:r>
+              <a:rPr lang="fr-FR" dirty="0"/>
+              <a:t>') </a:t>
+            </a:r>
+            <a:r>
+              <a:rPr lang="fr-FR" dirty="0" err="1"/>
+              <a:t>highlightColor</a:t>
+            </a:r>
+            <a:r>
+              <a:rPr lang="fr-FR" dirty="0"/>
+              <a:t>: string</a:t>
+            </a:r>
+            <a:r>
+              <a:rPr lang="fr-FR" dirty="0" smtClean="0"/>
+              <a:t>;</a:t>
+            </a:r>
+          </a:p>
+          <a:p>
+            <a:pPr marL="457200" lvl="1" indent="0">
+              <a:buNone/>
+            </a:pPr>
+            <a:r>
+              <a:rPr lang="fr-FR" dirty="0" smtClean="0"/>
+              <a:t>// Ce code remplace "</a:t>
+            </a:r>
+            <a:r>
+              <a:rPr lang="fr-FR" dirty="0" err="1" smtClean="0"/>
+              <a:t>yellow</a:t>
+            </a:r>
+            <a:r>
+              <a:rPr lang="fr-FR" dirty="0" smtClean="0"/>
+              <a:t>"</a:t>
+            </a:r>
+          </a:p>
+          <a:p>
+            <a:r>
+              <a:rPr lang="fr-FR" dirty="0" smtClean="0"/>
+              <a:t>Appel</a:t>
+            </a:r>
+          </a:p>
+          <a:p>
+            <a:pPr marL="457200" lvl="1" indent="0">
+              <a:buNone/>
+            </a:pPr>
+            <a:r>
+              <a:rPr lang="en-US" dirty="0"/>
+              <a:t>&lt;div [</a:t>
+            </a:r>
+            <a:r>
+              <a:rPr lang="en-US" dirty="0" err="1"/>
+              <a:t>appHighlight</a:t>
+            </a:r>
+            <a:r>
+              <a:rPr lang="en-US" dirty="0"/>
+              <a:t>]="'yellow'"&gt;</a:t>
+            </a:r>
+            <a:r>
+              <a:rPr lang="en-US" dirty="0" err="1"/>
+              <a:t>Texte</a:t>
+            </a:r>
+            <a:r>
+              <a:rPr lang="en-US" dirty="0"/>
+              <a:t> </a:t>
+            </a:r>
+            <a:r>
+              <a:rPr lang="en-US" dirty="0" err="1"/>
+              <a:t>en</a:t>
+            </a:r>
+            <a:r>
+              <a:rPr lang="en-US" dirty="0"/>
+              <a:t> highlight&lt;/div&gt;</a:t>
+            </a:r>
+            <a:endParaRPr lang="fr-FR" dirty="0" smtClean="0"/>
+          </a:p>
+          <a:p>
+            <a:pPr marL="457200" lvl="1" indent="0">
+              <a:buNone/>
+            </a:pPr>
+            <a:r>
+              <a:rPr lang="fr-FR" dirty="0"/>
+              <a:t>	</a:t>
+            </a:r>
+            <a:endParaRPr lang="fr-FR" dirty="0" smtClean="0"/>
+          </a:p>
+        </p:txBody>
+      </p:sp>
+    </p:spTree>
+    <p:extLst>
+      <p:ext uri="{BB962C8B-B14F-4D97-AF65-F5344CB8AC3E}">
+        <p14:creationId xmlns:p14="http://schemas.microsoft.com/office/powerpoint/2010/main" val="3990031671"/>
+      </p:ext>
+    </p:extLst>
+  </p:cSld>
+  <p:clrMapOvr>
+    <a:masterClrMapping/>
+  </p:clrMapOvr>
+  <p:timing>
+    <p:tnLst>
+      <p:par>
+        <p:cTn id="1" dur="indefinite" restart="never" nodeType="tmRoot"/>
+      </p:par>
+    </p:tnLst>
+  </p:timing>
+</p:sld>
+</file>
+
+<file path=ppt/slides/slide19.xml><?xml version="1.0" encoding="utf-8"?>
+<p:sld xmlns:a="http://schemas.openxmlformats.org/drawingml/2006/main" xmlns:r="http://schemas.openxmlformats.org/officeDocument/2006/relationships" xmlns:p="http://schemas.openxmlformats.org/presentationml/2006/main">
+  <p:cSld>
+    <p:spTree>
+      <p:nvGrpSpPr>
+        <p:cNvPr id="1" name=""/>
+        <p:cNvGrpSpPr/>
+        <p:nvPr/>
+      </p:nvGrpSpPr>
+      <p:grpSpPr>
+        <a:xfrm>
+          <a:off x="0" y="0"/>
+          <a:ext cx="0" cy="0"/>
+          <a:chOff x="0" y="0"/>
+          <a:chExt cx="0" cy="0"/>
+        </a:xfrm>
+      </p:grpSpPr>
+      <p:sp>
+        <p:nvSpPr>
+          <p:cNvPr id="2" name="Titre 1"/>
+          <p:cNvSpPr>
+            <a:spLocks noGrp="1"/>
+          </p:cNvSpPr>
+          <p:nvPr>
+            <p:ph type="title"/>
+          </p:nvPr>
+        </p:nvSpPr>
+        <p:spPr/>
+        <p:txBody>
+          <a:bodyPr/>
+          <a:lstStyle/>
+          <a:p>
+            <a:r>
+              <a:rPr lang="fr-FR" dirty="0" smtClean="0"/>
+              <a:t>Directives structurelles</a:t>
+            </a:r>
+            <a:endParaRPr lang="fr-FR" dirty="0"/>
+          </a:p>
+        </p:txBody>
+      </p:sp>
+      <p:sp>
+        <p:nvSpPr>
+          <p:cNvPr id="3" name="Espace réservé du contenu 2"/>
+          <p:cNvSpPr>
+            <a:spLocks noGrp="1"/>
+          </p:cNvSpPr>
+          <p:nvPr>
+            <p:ph idx="1"/>
+          </p:nvPr>
+        </p:nvSpPr>
+        <p:spPr/>
+        <p:txBody>
+          <a:bodyPr/>
+          <a:lstStyle/>
+          <a:p>
+            <a:r>
+              <a:rPr lang="fr-FR" dirty="0" smtClean="0"/>
               <a:t>Les directives structurelles sont préfixées par *</a:t>
             </a:r>
           </a:p>
@@ -5185,7 +5541,143 @@
             <a:pPr lvl="1"/>
             <a:r>
               <a:rPr lang="fr-FR" dirty="0" smtClean="0"/>
-              <a:t>Signifie qu'elle modifie le DOM</a:t>
+              <a:t>Signifie qu'elle modifie le </a:t>
+            </a:r>
+            <a:r>
+              <a:rPr lang="fr-FR" dirty="0" smtClean="0"/>
+              <a:t>DOM</a:t>
+            </a:r>
+          </a:p>
+          <a:p>
+            <a:pPr lvl="1"/>
+            <a:r>
+              <a:rPr lang="fr-FR" dirty="0" smtClean="0"/>
+              <a:t>Par exemple *</a:t>
+            </a:r>
+            <a:r>
+              <a:rPr lang="fr-FR" dirty="0" err="1" smtClean="0"/>
+              <a:t>ngIf</a:t>
+            </a:r>
+            <a:endParaRPr lang="fr-FR" dirty="0" smtClean="0"/>
+          </a:p>
+          <a:p>
+            <a:r>
+              <a:rPr lang="fr-FR" dirty="0"/>
+              <a:t>L'astérisque est "sucre syntaxique" pour quelque chose d'un peu plus </a:t>
+            </a:r>
+            <a:r>
+              <a:rPr lang="fr-FR" dirty="0" smtClean="0"/>
+              <a:t>compliqué</a:t>
+            </a:r>
+          </a:p>
+          <a:p>
+            <a:pPr lvl="1"/>
+            <a:r>
+              <a:rPr lang="fr-FR" dirty="0" smtClean="0"/>
+              <a:t>En </a:t>
+            </a:r>
+            <a:r>
+              <a:rPr lang="fr-FR" dirty="0"/>
+              <a:t>interne, </a:t>
+            </a:r>
+            <a:r>
+              <a:rPr lang="fr-FR" dirty="0" err="1"/>
+              <a:t>Angular</a:t>
+            </a:r>
+            <a:r>
+              <a:rPr lang="fr-FR" dirty="0"/>
+              <a:t> traduit l' attribut * </a:t>
+            </a:r>
+            <a:r>
+              <a:rPr lang="fr-FR" dirty="0" err="1"/>
+              <a:t>ngIf</a:t>
+            </a:r>
+            <a:r>
+              <a:rPr lang="fr-FR" dirty="0"/>
+              <a:t> en un élément &lt;</a:t>
+            </a:r>
+            <a:r>
+              <a:rPr lang="fr-FR" dirty="0" err="1"/>
+              <a:t>ng-template</a:t>
+            </a:r>
+            <a:r>
+              <a:rPr lang="fr-FR" dirty="0"/>
+              <a:t>&gt; , enroulé autour de l'élément host, comme </a:t>
+            </a:r>
+            <a:r>
+              <a:rPr lang="fr-FR" dirty="0" smtClean="0"/>
+              <a:t>ceci</a:t>
+            </a:r>
+          </a:p>
+          <a:p>
+            <a:pPr marL="457200" lvl="1" indent="0">
+              <a:buNone/>
+            </a:pPr>
+            <a:r>
+              <a:rPr lang="fr-FR" dirty="0" smtClean="0"/>
+              <a:t>&lt;</a:t>
+            </a:r>
+            <a:r>
+              <a:rPr lang="fr-FR" dirty="0" err="1" smtClean="0"/>
+              <a:t>ng-template</a:t>
+            </a:r>
+            <a:r>
+              <a:rPr lang="fr-FR" dirty="0" smtClean="0"/>
+              <a:t> </a:t>
+            </a:r>
+            <a:r>
+              <a:rPr lang="fr-FR" dirty="0"/>
+              <a:t>[</a:t>
+            </a:r>
+            <a:r>
+              <a:rPr lang="fr-FR" dirty="0" err="1"/>
+              <a:t>ngIf</a:t>
+            </a:r>
+            <a:r>
+              <a:rPr lang="fr-FR" dirty="0"/>
+              <a:t>]="</a:t>
+            </a:r>
+            <a:r>
+              <a:rPr lang="fr-FR" dirty="0" err="1"/>
+              <a:t>hero</a:t>
+            </a:r>
+            <a:r>
+              <a:rPr lang="fr-FR" dirty="0"/>
+              <a:t>"&gt;</a:t>
+            </a:r>
+          </a:p>
+          <a:p>
+            <a:pPr marL="457200" lvl="1" indent="0">
+              <a:buNone/>
+            </a:pPr>
+            <a:r>
+              <a:rPr lang="fr-FR" dirty="0"/>
+              <a:t>  &lt;div class="</a:t>
+            </a:r>
+            <a:r>
+              <a:rPr lang="fr-FR" dirty="0" err="1"/>
+              <a:t>name</a:t>
+            </a:r>
+            <a:r>
+              <a:rPr lang="fr-FR" dirty="0"/>
+              <a:t>"&gt;{{hero.name}}&lt;/div&gt;</a:t>
+            </a:r>
+          </a:p>
+          <a:p>
+            <a:pPr marL="457200" lvl="1" indent="0">
+              <a:buNone/>
+            </a:pPr>
+            <a:r>
+              <a:rPr lang="fr-FR" dirty="0"/>
+              <a:t>&lt;/</a:t>
+            </a:r>
+            <a:r>
+              <a:rPr lang="fr-FR" dirty="0" err="1"/>
+              <a:t>ng-template</a:t>
+            </a:r>
+            <a:r>
+              <a:rPr lang="fr-FR" dirty="0"/>
+              <a:t>&gt;</a:t>
             </a:r>
             <a:endParaRPr lang="fr-FR" dirty="0"/>
           </a:p>
@@ -5313,6 +5805,498 @@
       </p:par>
     </p:tnLst>
   </p:timing>
+</p:sld>
+</file>
+
+<file path=ppt/slides/slide20.xml><?xml version="1.0" encoding="utf-8"?>
+<p:sld xmlns:a="http://schemas.openxmlformats.org/drawingml/2006/main" xmlns:r="http://schemas.openxmlformats.org/officeDocument/2006/relationships" xmlns:p="http://schemas.openxmlformats.org/presentationml/2006/main">
+  <p:cSld>
+    <p:spTree>
+      <p:nvGrpSpPr>
+        <p:cNvPr id="1" name=""/>
+        <p:cNvGrpSpPr/>
+        <p:nvPr/>
+      </p:nvGrpSpPr>
+      <p:grpSpPr>
+        <a:xfrm>
+          <a:off x="0" y="0"/>
+          <a:ext cx="0" cy="0"/>
+          <a:chOff x="0" y="0"/>
+          <a:chExt cx="0" cy="0"/>
+        </a:xfrm>
+      </p:grpSpPr>
+      <p:sp>
+        <p:nvSpPr>
+          <p:cNvPr id="2" name="Titre 1"/>
+          <p:cNvSpPr>
+            <a:spLocks noGrp="1"/>
+          </p:cNvSpPr>
+          <p:nvPr>
+            <p:ph type="title"/>
+          </p:nvPr>
+        </p:nvSpPr>
+        <p:spPr/>
+        <p:txBody>
+          <a:bodyPr/>
+          <a:lstStyle/>
+          <a:p>
+            <a:r>
+              <a:rPr lang="fr-FR" dirty="0" smtClean="0"/>
+              <a:t>Ecrire une directive structurelle</a:t>
+            </a:r>
+            <a:endParaRPr lang="fr-FR" dirty="0"/>
+          </a:p>
+        </p:txBody>
+      </p:sp>
+      <p:sp>
+        <p:nvSpPr>
+          <p:cNvPr id="3" name="Espace réservé du contenu 2"/>
+          <p:cNvSpPr>
+            <a:spLocks noGrp="1"/>
+          </p:cNvSpPr>
+          <p:nvPr>
+            <p:ph idx="1"/>
+          </p:nvPr>
+        </p:nvSpPr>
+        <p:spPr/>
+        <p:txBody>
+          <a:bodyPr/>
+          <a:lstStyle/>
+          <a:p>
+            <a:r>
+              <a:rPr lang="fr-FR" dirty="0" smtClean="0"/>
+              <a:t>Nous allons créer la directive </a:t>
+            </a:r>
+            <a:r>
+              <a:rPr lang="fr-FR" dirty="0" err="1" smtClean="0"/>
+              <a:t>Unless</a:t>
+            </a:r>
+            <a:r>
+              <a:rPr lang="fr-FR" dirty="0" smtClean="0"/>
+              <a:t> qui </a:t>
+            </a:r>
+            <a:r>
+              <a:rPr lang="fr-FR" dirty="0" err="1" smtClean="0"/>
+              <a:t>effecture</a:t>
+            </a:r>
+            <a:r>
+              <a:rPr lang="fr-FR" dirty="0" smtClean="0"/>
+              <a:t> l'inverse de </a:t>
+            </a:r>
+            <a:r>
+              <a:rPr lang="fr-FR" dirty="0" err="1" smtClean="0"/>
+              <a:t>ngIf</a:t>
+            </a:r>
+            <a:endParaRPr lang="fr-FR" dirty="0" smtClean="0"/>
+          </a:p>
+          <a:p>
+            <a:pPr lvl="1"/>
+            <a:r>
+              <a:rPr lang="fr-FR" dirty="0" smtClean="0"/>
+              <a:t>Après avoir créer la directive il faut ajouter de nouveaux imports</a:t>
+            </a:r>
+          </a:p>
+          <a:p>
+            <a:pPr lvl="1"/>
+            <a:endParaRPr lang="fr-FR" dirty="0"/>
+          </a:p>
+          <a:p>
+            <a:pPr lvl="1"/>
+            <a:endParaRPr lang="fr-FR" dirty="0" smtClean="0"/>
+          </a:p>
+          <a:p>
+            <a:pPr lvl="1"/>
+            <a:endParaRPr lang="fr-FR" dirty="0"/>
+          </a:p>
+          <a:p>
+            <a:pPr lvl="1"/>
+            <a:r>
+              <a:rPr lang="fr-FR" dirty="0" smtClean="0"/>
+              <a:t>Les crochets définissent un attribut</a:t>
+            </a:r>
+          </a:p>
+          <a:p>
+            <a:endParaRPr lang="fr-FR" dirty="0"/>
+          </a:p>
+        </p:txBody>
+      </p:sp>
+      <p:pic>
+        <p:nvPicPr>
+          <p:cNvPr id="4" name="Image 3"/>
+          <p:cNvPicPr>
+            <a:picLocks noChangeAspect="1"/>
+          </p:cNvPicPr>
+          <p:nvPr/>
+        </p:nvPicPr>
+        <p:blipFill>
+          <a:blip r:embed="rId2"/>
+          <a:stretch>
+            <a:fillRect/>
+          </a:stretch>
+        </p:blipFill>
+        <p:spPr>
+          <a:xfrm>
+            <a:off x="1043608" y="3140968"/>
+            <a:ext cx="7276173" cy="1224136"/>
+          </a:xfrm>
+          <a:prstGeom prst="rect">
+            <a:avLst/>
+          </a:prstGeom>
+        </p:spPr>
+      </p:pic>
+    </p:spTree>
+    <p:extLst>
+      <p:ext uri="{BB962C8B-B14F-4D97-AF65-F5344CB8AC3E}">
+        <p14:creationId xmlns:p14="http://schemas.microsoft.com/office/powerpoint/2010/main" val="3386743030"/>
+      </p:ext>
+    </p:extLst>
+  </p:cSld>
+  <p:clrMapOvr>
+    <a:masterClrMapping/>
+  </p:clrMapOvr>
+</p:sld>
+</file>
+
+<file path=ppt/slides/slide21.xml><?xml version="1.0" encoding="utf-8"?>
+<p:sld xmlns:a="http://schemas.openxmlformats.org/drawingml/2006/main" xmlns:r="http://schemas.openxmlformats.org/officeDocument/2006/relationships" xmlns:p="http://schemas.openxmlformats.org/presentationml/2006/main">
+  <p:cSld>
+    <p:spTree>
+      <p:nvGrpSpPr>
+        <p:cNvPr id="1" name=""/>
+        <p:cNvGrpSpPr/>
+        <p:nvPr/>
+      </p:nvGrpSpPr>
+      <p:grpSpPr>
+        <a:xfrm>
+          <a:off x="0" y="0"/>
+          <a:ext cx="0" cy="0"/>
+          <a:chOff x="0" y="0"/>
+          <a:chExt cx="0" cy="0"/>
+        </a:xfrm>
+      </p:grpSpPr>
+      <p:sp>
+        <p:nvSpPr>
+          <p:cNvPr id="2" name="Titre 1"/>
+          <p:cNvSpPr>
+            <a:spLocks noGrp="1"/>
+          </p:cNvSpPr>
+          <p:nvPr>
+            <p:ph type="title"/>
+          </p:nvPr>
+        </p:nvSpPr>
+        <p:spPr/>
+        <p:txBody>
+          <a:bodyPr/>
+          <a:lstStyle/>
+          <a:p>
+            <a:r>
+              <a:rPr lang="fr-FR" dirty="0" err="1" smtClean="0"/>
+              <a:t>NgTemplate</a:t>
+            </a:r>
+            <a:endParaRPr lang="fr-FR" dirty="0"/>
+          </a:p>
+        </p:txBody>
+      </p:sp>
+      <p:sp>
+        <p:nvSpPr>
+          <p:cNvPr id="3" name="Espace réservé du contenu 2"/>
+          <p:cNvSpPr>
+            <a:spLocks noGrp="1"/>
+          </p:cNvSpPr>
+          <p:nvPr>
+            <p:ph idx="1"/>
+          </p:nvPr>
+        </p:nvSpPr>
+        <p:spPr/>
+        <p:txBody>
+          <a:bodyPr/>
+          <a:lstStyle/>
+          <a:p>
+            <a:r>
+              <a:rPr lang="fr-FR" dirty="0"/>
+              <a:t>Une directive structurelle </a:t>
+            </a:r>
+            <a:r>
+              <a:rPr lang="fr-FR" dirty="0" smtClean="0"/>
+              <a:t>crée </a:t>
+            </a:r>
+            <a:r>
+              <a:rPr lang="fr-FR" dirty="0"/>
+              <a:t>une vue intégrée à partir du &lt;</a:t>
+            </a:r>
+            <a:r>
+              <a:rPr lang="fr-FR" dirty="0" err="1"/>
+              <a:t>ng-template</a:t>
+            </a:r>
+            <a:r>
+              <a:rPr lang="fr-FR" dirty="0"/>
+              <a:t>&gt; généré par </a:t>
+            </a:r>
+            <a:r>
+              <a:rPr lang="fr-FR" dirty="0" err="1" smtClean="0"/>
+              <a:t>Angular</a:t>
+            </a:r>
+            <a:r>
+              <a:rPr lang="fr-FR" dirty="0" smtClean="0"/>
+              <a:t> et </a:t>
+            </a:r>
+            <a:r>
+              <a:rPr lang="fr-FR" dirty="0"/>
+              <a:t>insère cette vue dans un </a:t>
+            </a:r>
+            <a:r>
+              <a:rPr lang="fr-FR" dirty="0" err="1"/>
+              <a:t>ViewContainerRef</a:t>
+            </a:r>
+            <a:r>
+              <a:rPr lang="fr-FR" dirty="0"/>
+              <a:t> </a:t>
+            </a:r>
+            <a:r>
+              <a:rPr lang="fr-FR" dirty="0" smtClean="0"/>
+              <a:t>à </a:t>
+            </a:r>
+            <a:r>
+              <a:rPr lang="fr-FR" dirty="0"/>
+              <a:t>l'élément hôte </a:t>
+            </a:r>
+            <a:r>
+              <a:rPr lang="fr-FR" dirty="0" smtClean="0"/>
+              <a:t>origine </a:t>
+            </a:r>
+            <a:r>
+              <a:rPr lang="fr-FR" dirty="0"/>
+              <a:t>de la </a:t>
+            </a:r>
+            <a:r>
+              <a:rPr lang="fr-FR" dirty="0" smtClean="0"/>
+              <a:t>directive</a:t>
+            </a:r>
+            <a:endParaRPr lang="fr-FR" dirty="0"/>
+          </a:p>
+          <a:p>
+            <a:pPr lvl="1"/>
+            <a:r>
+              <a:rPr lang="fr-FR" dirty="0" smtClean="0"/>
+              <a:t>Le </a:t>
+            </a:r>
+            <a:r>
+              <a:rPr lang="fr-FR" dirty="0"/>
+              <a:t>contenu &lt;</a:t>
+            </a:r>
+            <a:r>
+              <a:rPr lang="fr-FR" dirty="0" err="1"/>
+              <a:t>ng-template</a:t>
+            </a:r>
+            <a:r>
+              <a:rPr lang="fr-FR" dirty="0"/>
+              <a:t>&gt; </a:t>
+            </a:r>
+            <a:r>
+              <a:rPr lang="fr-FR" dirty="0" smtClean="0"/>
+              <a:t>est l'attribut </a:t>
+            </a:r>
+            <a:r>
+              <a:rPr lang="fr-FR" dirty="0" err="1" smtClean="0"/>
+              <a:t>TemplateRef</a:t>
+            </a:r>
+            <a:endParaRPr lang="fr-FR" dirty="0" smtClean="0"/>
+          </a:p>
+          <a:p>
+            <a:pPr lvl="1"/>
+            <a:r>
+              <a:rPr lang="fr-FR" dirty="0" smtClean="0"/>
+              <a:t>L'élément hôte est </a:t>
+            </a:r>
+            <a:r>
+              <a:rPr lang="fr-FR" dirty="0" err="1" smtClean="0"/>
+              <a:t>ViewContainerRef</a:t>
+            </a:r>
+            <a:endParaRPr lang="fr-FR" dirty="0" smtClean="0"/>
+          </a:p>
+          <a:p>
+            <a:r>
+              <a:rPr lang="fr-FR" dirty="0" smtClean="0"/>
+              <a:t>Utilisation</a:t>
+            </a:r>
+          </a:p>
+          <a:p>
+            <a:pPr lvl="1"/>
+            <a:r>
+              <a:rPr lang="en-US" dirty="0" smtClean="0"/>
+              <a:t>&lt;p </a:t>
+            </a:r>
+            <a:r>
+              <a:rPr lang="en-US" dirty="0"/>
+              <a:t>*</a:t>
+            </a:r>
+            <a:r>
+              <a:rPr lang="en-US" dirty="0" err="1"/>
+              <a:t>appUnless</a:t>
+            </a:r>
+            <a:r>
+              <a:rPr lang="en-US" dirty="0"/>
+              <a:t>="condition"&gt;Show this sentence unless the condition is true.&lt;/p&gt;</a:t>
+            </a:r>
+            <a:endParaRPr lang="fr-FR" dirty="0"/>
+          </a:p>
+        </p:txBody>
+      </p:sp>
+      <p:pic>
+        <p:nvPicPr>
+          <p:cNvPr id="4" name="Image 3"/>
+          <p:cNvPicPr>
+            <a:picLocks noChangeAspect="1"/>
+          </p:cNvPicPr>
+          <p:nvPr/>
+        </p:nvPicPr>
+        <p:blipFill>
+          <a:blip r:embed="rId2"/>
+          <a:stretch>
+            <a:fillRect/>
+          </a:stretch>
+        </p:blipFill>
+        <p:spPr>
+          <a:xfrm>
+            <a:off x="1778944" y="5517232"/>
+            <a:ext cx="5567186" cy="1008112"/>
+          </a:xfrm>
+          <a:prstGeom prst="rect">
+            <a:avLst/>
+          </a:prstGeom>
+        </p:spPr>
+      </p:pic>
+    </p:spTree>
+    <p:extLst>
+      <p:ext uri="{BB962C8B-B14F-4D97-AF65-F5344CB8AC3E}">
+        <p14:creationId xmlns:p14="http://schemas.microsoft.com/office/powerpoint/2010/main" val="206965170"/>
+      </p:ext>
+    </p:extLst>
+  </p:cSld>
+  <p:clrMapOvr>
+    <a:masterClrMapping/>
+  </p:clrMapOvr>
+</p:sld>
+</file>
+
+<file path=ppt/slides/slide22.xml><?xml version="1.0" encoding="utf-8"?>
+<p:sld xmlns:a="http://schemas.openxmlformats.org/drawingml/2006/main" xmlns:r="http://schemas.openxmlformats.org/officeDocument/2006/relationships" xmlns:p="http://schemas.openxmlformats.org/presentationml/2006/main">
+  <p:cSld>
+    <p:spTree>
+      <p:nvGrpSpPr>
+        <p:cNvPr id="1" name=""/>
+        <p:cNvGrpSpPr/>
+        <p:nvPr/>
+      </p:nvGrpSpPr>
+      <p:grpSpPr>
+        <a:xfrm>
+          <a:off x="0" y="0"/>
+          <a:ext cx="0" cy="0"/>
+          <a:chOff x="0" y="0"/>
+          <a:chExt cx="0" cy="0"/>
+        </a:xfrm>
+      </p:grpSpPr>
+      <p:sp>
+        <p:nvSpPr>
+          <p:cNvPr id="2" name="Titre 1"/>
+          <p:cNvSpPr>
+            <a:spLocks noGrp="1"/>
+          </p:cNvSpPr>
+          <p:nvPr>
+            <p:ph type="title"/>
+          </p:nvPr>
+        </p:nvSpPr>
+        <p:spPr/>
+        <p:txBody>
+          <a:bodyPr/>
+          <a:lstStyle/>
+          <a:p>
+            <a:r>
+              <a:rPr lang="fr-FR" dirty="0" smtClean="0"/>
+              <a:t>@Input</a:t>
+            </a:r>
+            <a:endParaRPr lang="fr-FR" dirty="0"/>
+          </a:p>
+        </p:txBody>
+      </p:sp>
+      <p:sp>
+        <p:nvSpPr>
+          <p:cNvPr id="3" name="Espace réservé du contenu 2"/>
+          <p:cNvSpPr>
+            <a:spLocks noGrp="1"/>
+          </p:cNvSpPr>
+          <p:nvPr>
+            <p:ph idx="1"/>
+          </p:nvPr>
+        </p:nvSpPr>
+        <p:spPr/>
+        <p:txBody>
+          <a:bodyPr/>
+          <a:lstStyle/>
+          <a:p>
+            <a:r>
+              <a:rPr lang="fr-FR" dirty="0" smtClean="0"/>
+              <a:t>Nous allons définir un @Input</a:t>
+            </a:r>
+          </a:p>
+          <a:p>
+            <a:pPr lvl="1"/>
+            <a:r>
+              <a:rPr lang="fr-FR" dirty="0" smtClean="0"/>
+              <a:t>Ici un setter (voir chapitre suivant)</a:t>
+            </a:r>
+          </a:p>
+          <a:p>
+            <a:pPr lvl="1"/>
+            <a:r>
+              <a:rPr lang="fr-FR" dirty="0" err="1" smtClean="0"/>
+              <a:t>hasView</a:t>
+            </a:r>
+            <a:r>
+              <a:rPr lang="fr-FR" dirty="0" smtClean="0"/>
+              <a:t> est un attribut de la classe</a:t>
+            </a:r>
+          </a:p>
+          <a:p>
+            <a:pPr lvl="1"/>
+            <a:endParaRPr lang="fr-FR" dirty="0"/>
+          </a:p>
+        </p:txBody>
+      </p:sp>
+      <p:pic>
+        <p:nvPicPr>
+          <p:cNvPr id="4" name="Image 3"/>
+          <p:cNvPicPr>
+            <a:picLocks noChangeAspect="1"/>
+          </p:cNvPicPr>
+          <p:nvPr/>
+        </p:nvPicPr>
+        <p:blipFill>
+          <a:blip r:embed="rId2"/>
+          <a:stretch>
+            <a:fillRect/>
+          </a:stretch>
+        </p:blipFill>
+        <p:spPr>
+          <a:xfrm>
+            <a:off x="1331640" y="3068960"/>
+            <a:ext cx="5861015" cy="2448272"/>
+          </a:xfrm>
+          <a:prstGeom prst="rect">
+            <a:avLst/>
+          </a:prstGeom>
+        </p:spPr>
+      </p:pic>
+    </p:spTree>
+    <p:extLst>
+      <p:ext uri="{BB962C8B-B14F-4D97-AF65-F5344CB8AC3E}">
+        <p14:creationId xmlns:p14="http://schemas.microsoft.com/office/powerpoint/2010/main" val="3863252754"/>
+      </p:ext>
+    </p:extLst>
+  </p:cSld>
+  <p:clrMapOvr>
+    <a:masterClrMapping/>
+  </p:clrMapOvr>
 </p:sld>
 </file>
 
@@ -5946,7 +6930,6 @@
               <a:rPr lang="fr-FR" dirty="0" smtClean="0"/>
               <a:t>)</a:t>
             </a:r>
-            <a:endParaRPr lang="fr-FR" dirty="0" smtClean="0"/>
           </a:p>
           <a:p>
             <a:pPr lvl="1"/>

--- a/PPT/Angular09-Directives.pptx
+++ b/PPT/Angular09-Directives.pptx
@@ -5,10 +5,10 @@
     <p:sldMasterId id="2147483653" r:id="rId1"/>
   </p:sldMasterIdLst>
   <p:notesMasterIdLst>
-    <p:notesMasterId r:id="rId24"/>
+    <p:notesMasterId r:id="rId25"/>
   </p:notesMasterIdLst>
   <p:handoutMasterIdLst>
-    <p:handoutMasterId r:id="rId25"/>
+    <p:handoutMasterId r:id="rId26"/>
   </p:handoutMasterIdLst>
   <p:sldIdLst>
     <p:sldId id="264" r:id="rId2"/>
@@ -23,16 +23,17 @@
     <p:sldId id="270" r:id="rId11"/>
     <p:sldId id="271" r:id="rId12"/>
     <p:sldId id="272" r:id="rId13"/>
-    <p:sldId id="273" r:id="rId14"/>
-    <p:sldId id="285" r:id="rId15"/>
-    <p:sldId id="277" r:id="rId16"/>
-    <p:sldId id="278" r:id="rId17"/>
-    <p:sldId id="279" r:id="rId18"/>
-    <p:sldId id="281" r:id="rId19"/>
-    <p:sldId id="280" r:id="rId20"/>
-    <p:sldId id="282" r:id="rId21"/>
-    <p:sldId id="283" r:id="rId22"/>
-    <p:sldId id="284" r:id="rId23"/>
+    <p:sldId id="286" r:id="rId14"/>
+    <p:sldId id="273" r:id="rId15"/>
+    <p:sldId id="285" r:id="rId16"/>
+    <p:sldId id="277" r:id="rId17"/>
+    <p:sldId id="278" r:id="rId18"/>
+    <p:sldId id="279" r:id="rId19"/>
+    <p:sldId id="281" r:id="rId20"/>
+    <p:sldId id="280" r:id="rId21"/>
+    <p:sldId id="282" r:id="rId22"/>
+    <p:sldId id="283" r:id="rId23"/>
+    <p:sldId id="284" r:id="rId24"/>
   </p:sldIdLst>
   <p:sldSz cx="9144000" cy="6858000" type="screen4x3"/>
   <p:notesSz cx="6648450" cy="9782175"/>
@@ -4224,8 +4225,20 @@
               <a:buNone/>
             </a:pPr>
             <a:r>
+              <a:rPr lang="en-US" dirty="0" smtClean="0"/>
+              <a:t>&lt;</a:t>
+            </a:r>
+            <a:r>
+              <a:rPr lang="en-US" dirty="0" smtClean="0"/>
+              <a:t>div</a:t>
+            </a:r>
+            <a:r>
+              <a:rPr lang="en-US" dirty="0" smtClean="0"/>
+              <a:t> </a:t>
+            </a:r>
+            <a:r>
               <a:rPr lang="en-US" dirty="0"/>
-              <a:t>&lt;li *</a:t>
+              <a:t>*</a:t>
             </a:r>
             <a:r>
               <a:rPr lang="en-US" dirty="0" err="1"/>
@@ -4398,13 +4411,8 @@
             <a:pPr lvl="1"/>
             <a:r>
               <a:rPr lang="fr-FR" dirty="0" smtClean="0"/>
-              <a:t>Les [ ] sont de paramètres </a:t>
-            </a:r>
-            <a:r>
-              <a:rPr lang="fr-FR" smtClean="0"/>
-              <a:t>de composants </a:t>
-            </a:r>
-            <a:endParaRPr lang="fr-FR" dirty="0" smtClean="0"/>
+              <a:t>Les [ ] sont de paramètres de composants </a:t>
+            </a:r>
           </a:p>
           <a:p>
             <a:r>
@@ -4417,8 +4425,20 @@
               <a:buNone/>
             </a:pPr>
             <a:r>
+              <a:rPr lang="en-US" dirty="0" smtClean="0"/>
+              <a:t>&lt;</a:t>
+            </a:r>
+            <a:r>
+              <a:rPr lang="en-US" dirty="0" smtClean="0"/>
+              <a:t>div</a:t>
+            </a:r>
+            <a:r>
+              <a:rPr lang="en-US" dirty="0" smtClean="0"/>
+              <a:t> </a:t>
+            </a:r>
+            <a:r>
               <a:rPr lang="en-US" dirty="0"/>
-              <a:t>&lt;li *</a:t>
+              <a:t>*</a:t>
             </a:r>
             <a:r>
               <a:rPr lang="en-US" dirty="0" err="1"/>
@@ -4528,7 +4548,7 @@
           <a:p>
             <a:r>
               <a:rPr lang="fr-FR" dirty="0" smtClean="0"/>
-              <a:t>Formulaires</a:t>
+              <a:t>Template Reference #</a:t>
             </a:r>
             <a:endParaRPr lang="fr-FR" dirty="0"/>
           </a:p>
@@ -4551,20 +4571,91 @@
           <a:p>
             <a:r>
               <a:rPr lang="fr-FR" dirty="0" smtClean="0"/>
-              <a:t>Les formulaires possèdent la directive </a:t>
+              <a:t># désigne une variable de référence de </a:t>
             </a:r>
             <a:r>
               <a:rPr lang="fr-FR" dirty="0" err="1" smtClean="0"/>
-              <a:t>ngSubmit</a:t>
+              <a:t>template</a:t>
             </a:r>
             <a:endParaRPr lang="fr-FR" dirty="0" smtClean="0"/>
           </a:p>
           <a:p>
-            <a:pPr marL="457200" lvl="1" indent="0">
-              <a:buNone/>
-            </a:pPr>
-            <a:r>
-              <a:rPr lang="fr-FR" dirty="0" smtClean="0"/>
+            <a:r>
+              <a:rPr lang="fr-FR" dirty="0" smtClean="0"/>
+              <a:t>Une variable est alors créée qui référence l'élément</a:t>
+            </a:r>
+          </a:p>
+          <a:p>
+            <a:pPr lvl="1"/>
+            <a:r>
+              <a:rPr lang="fr-FR" dirty="0" smtClean="0"/>
+              <a:t>&lt;input #</a:t>
+            </a:r>
+            <a:r>
+              <a:rPr lang="fr-FR" dirty="0" err="1" smtClean="0"/>
+              <a:t>myInput</a:t>
+            </a:r>
+            <a:r>
+              <a:rPr lang="fr-FR" dirty="0" smtClean="0"/>
+              <a:t> </a:t>
+            </a:r>
+            <a:r>
+              <a:rPr lang="fr-FR" dirty="0" err="1" smtClean="0"/>
+              <a:t>placeholder</a:t>
+            </a:r>
+            <a:r>
+              <a:rPr lang="fr-FR" dirty="0" smtClean="0"/>
+              <a:t>="</a:t>
+            </a:r>
+            <a:r>
+              <a:rPr lang="fr-FR" dirty="0" err="1" smtClean="0"/>
+              <a:t>hero</a:t>
+            </a:r>
+            <a:r>
+              <a:rPr lang="fr-FR" dirty="0" smtClean="0"/>
+              <a:t>"&gt;</a:t>
+            </a:r>
+          </a:p>
+          <a:p>
+            <a:pPr lvl="1"/>
+            <a:r>
+              <a:rPr lang="fr-FR" dirty="0" smtClean="0"/>
+              <a:t>Dans cet exemple la variable </a:t>
+            </a:r>
+            <a:r>
+              <a:rPr lang="fr-FR" dirty="0" err="1" smtClean="0"/>
+              <a:t>heroForm</a:t>
+            </a:r>
+            <a:r>
+              <a:rPr lang="fr-FR" dirty="0" smtClean="0"/>
+              <a:t> référence l'élément input du DOM</a:t>
+            </a:r>
+          </a:p>
+          <a:p>
+            <a:pPr lvl="1"/>
+            <a:r>
+              <a:rPr lang="fr-FR" dirty="0" smtClean="0"/>
+              <a:t>Disponible dans tous le </a:t>
+            </a:r>
+            <a:r>
+              <a:rPr lang="fr-FR" dirty="0" err="1" smtClean="0"/>
+              <a:t>template</a:t>
+            </a:r>
+            <a:r>
+              <a:rPr lang="fr-FR" dirty="0" smtClean="0"/>
+              <a:t> comme variable globale</a:t>
+            </a:r>
+          </a:p>
+          <a:p>
+            <a:r>
+              <a:rPr lang="fr-FR" dirty="0" smtClean="0"/>
+              <a:t>Il est possible d'assigner une variable # à une directive</a:t>
+            </a:r>
+          </a:p>
+          <a:p>
+            <a:pPr lvl="1"/>
+            <a:r>
+              <a:rPr lang="fr-FR" dirty="0"/>
               <a:t>&lt;</a:t>
             </a:r>
             <a:r>
@@ -4576,153 +4667,78 @@
               <a:t> #</a:t>
             </a:r>
             <a:r>
+              <a:rPr lang="fr-FR" dirty="0" err="1" smtClean="0"/>
+              <a:t>heroForm</a:t>
+            </a:r>
+            <a:r>
+              <a:rPr lang="fr-FR" dirty="0" smtClean="0"/>
+              <a:t>=</a:t>
+            </a:r>
+            <a:r>
+              <a:rPr lang="fr-FR" dirty="0" err="1" smtClean="0"/>
+              <a:t>ngForm</a:t>
+            </a:r>
+            <a:r>
+              <a:rPr lang="fr-FR" dirty="0" smtClean="0"/>
+              <a:t> </a:t>
+            </a:r>
+            <a:r>
+              <a:rPr lang="fr-FR" dirty="0"/>
+              <a:t>(</a:t>
+            </a:r>
+            <a:r>
+              <a:rPr lang="fr-FR" dirty="0" err="1"/>
+              <a:t>ngSubmit</a:t>
+            </a:r>
+            <a:r>
+              <a:rPr lang="fr-FR" dirty="0"/>
+              <a:t>)="</a:t>
+            </a:r>
+            <a:r>
+              <a:rPr lang="fr-FR" dirty="0" err="1"/>
+              <a:t>onSubmit</a:t>
+            </a:r>
+            <a:r>
+              <a:rPr lang="fr-FR" dirty="0"/>
+              <a:t>(</a:t>
+            </a:r>
+            <a:r>
               <a:rPr lang="fr-FR" dirty="0" err="1"/>
               <a:t>heroForm</a:t>
             </a:r>
             <a:r>
-              <a:rPr lang="fr-FR" dirty="0"/>
-              <a:t> (</a:t>
-            </a:r>
-            <a:r>
-              <a:rPr lang="fr-FR" dirty="0" err="1"/>
-              <a:t>ngSubmit</a:t>
-            </a:r>
-            <a:r>
-              <a:rPr lang="fr-FR" dirty="0"/>
-              <a:t>)="</a:t>
-            </a:r>
-            <a:r>
-              <a:rPr lang="fr-FR" dirty="0" err="1"/>
-              <a:t>onSubmit</a:t>
-            </a:r>
-            <a:r>
-              <a:rPr lang="fr-FR" dirty="0"/>
-              <a:t>(</a:t>
-            </a:r>
-            <a:r>
-              <a:rPr lang="fr-FR" dirty="0" err="1"/>
+              <a:rPr lang="fr-FR" dirty="0" smtClean="0"/>
+              <a:t>)"&gt;</a:t>
+            </a:r>
+          </a:p>
+          <a:p>
+            <a:pPr lvl="1"/>
+            <a:r>
+              <a:rPr lang="fr-FR" dirty="0" err="1" smtClean="0"/>
               <a:t>heroForm</a:t>
             </a:r>
             <a:r>
-              <a:rPr lang="fr-FR" dirty="0"/>
-              <a:t>)"&gt; ... &lt;/</a:t>
-            </a:r>
-            <a:r>
-              <a:rPr lang="fr-FR" dirty="0" err="1"/>
-              <a:t>form</a:t>
-            </a:r>
-            <a:r>
-              <a:rPr lang="fr-FR" dirty="0" smtClean="0"/>
-              <a:t>&gt;</a:t>
-            </a:r>
-          </a:p>
-          <a:p>
-            <a:r>
-              <a:rPr lang="fr-FR" dirty="0" smtClean="0"/>
-              <a:t>Utilisation de </a:t>
+              <a:rPr lang="fr-FR" dirty="0" smtClean="0"/>
+              <a:t> a été surchargée par la directive </a:t>
             </a:r>
             <a:r>
               <a:rPr lang="fr-FR" dirty="0" err="1" smtClean="0"/>
-              <a:t>ngModel</a:t>
+              <a:t>ngForm</a:t>
             </a:r>
             <a:endParaRPr lang="fr-FR" dirty="0" smtClean="0"/>
-          </a:p>
-          <a:p>
-            <a:pPr lvl="1"/>
-            <a:r>
-              <a:rPr lang="fr-FR" dirty="0" smtClean="0"/>
-              <a:t>[(</a:t>
-            </a:r>
-            <a:r>
-              <a:rPr lang="fr-FR" dirty="0" err="1" smtClean="0"/>
-              <a:t>ngModel</a:t>
-            </a:r>
-            <a:r>
-              <a:rPr lang="fr-FR" dirty="0" smtClean="0"/>
-              <a:t>)]</a:t>
-            </a:r>
-          </a:p>
-          <a:p>
-            <a:r>
-              <a:rPr lang="fr-FR" dirty="0" smtClean="0"/>
-              <a:t>Il existe 2 autres directives </a:t>
-            </a:r>
-            <a:r>
-              <a:rPr lang="fr-FR" dirty="0" err="1" smtClean="0"/>
-              <a:t>two-way</a:t>
-            </a:r>
-            <a:r>
-              <a:rPr lang="fr-FR" dirty="0" smtClean="0"/>
-              <a:t> data binding</a:t>
-            </a:r>
-          </a:p>
-          <a:p>
-            <a:pPr lvl="1"/>
-            <a:r>
-              <a:rPr lang="fr-FR" dirty="0" err="1" smtClean="0"/>
-              <a:t>ngClass</a:t>
-            </a:r>
-            <a:endParaRPr lang="fr-FR" dirty="0" smtClean="0"/>
-          </a:p>
-          <a:p>
-            <a:pPr lvl="1"/>
-            <a:r>
-              <a:rPr lang="fr-FR" dirty="0" err="1" smtClean="0"/>
-              <a:t>ngStyle</a:t>
-            </a:r>
-            <a:endParaRPr lang="fr-FR" dirty="0" smtClean="0"/>
-          </a:p>
-          <a:p>
-            <a:pPr lvl="1"/>
-            <a:r>
-              <a:rPr lang="en-US" dirty="0"/>
-              <a:t>&lt;div [</a:t>
-            </a:r>
-            <a:r>
-              <a:rPr lang="en-US" dirty="0" err="1"/>
-              <a:t>ngClass</a:t>
-            </a:r>
-            <a:r>
-              <a:rPr lang="en-US" dirty="0"/>
-              <a:t>]="</a:t>
-            </a:r>
-            <a:r>
-              <a:rPr lang="en-US" dirty="0" err="1"/>
-              <a:t>currentClasses</a:t>
-            </a:r>
-            <a:r>
-              <a:rPr lang="en-US" dirty="0"/>
-              <a:t>"&gt;This div is initially </a:t>
-            </a:r>
-            <a:r>
-              <a:rPr lang="en-US" dirty="0" err="1"/>
-              <a:t>saveable</a:t>
-            </a:r>
-            <a:r>
-              <a:rPr lang="en-US" dirty="0"/>
-              <a:t>, unchanged, and special&lt;/div&gt;</a:t>
-            </a:r>
-            <a:endParaRPr lang="fr-FR" dirty="0"/>
           </a:p>
         </p:txBody>
       </p:sp>
     </p:spTree>
     <p:extLst>
       <p:ext uri="{BB962C8B-B14F-4D97-AF65-F5344CB8AC3E}">
-        <p14:creationId xmlns:p14="http://schemas.microsoft.com/office/powerpoint/2010/main" val="2930495281"/>
+        <p14:creationId xmlns:p14="http://schemas.microsoft.com/office/powerpoint/2010/main" val="1209954319"/>
       </p:ext>
     </p:extLst>
   </p:cSld>
   <p:clrMapOvr>
     <a:masterClrMapping/>
   </p:clrMapOvr>
-  <p:timing>
-    <p:tnLst>
-      <p:par>
-        <p:cTn id="1" dur="indefinite" restart="never" nodeType="tmRoot"/>
-      </p:par>
-    </p:tnLst>
-  </p:timing>
 </p:sld>
 </file>
 
@@ -4759,8 +4775,8 @@
           <a:lstStyle/>
           <a:p>
             <a:r>
-              <a:rPr lang="fr-FR" dirty="0" err="1" smtClean="0"/>
-              <a:t>ngContainer</a:t>
+              <a:rPr lang="fr-FR" dirty="0" smtClean="0"/>
+              <a:t>Formulaires</a:t>
             </a:r>
             <a:endParaRPr lang="fr-FR" dirty="0"/>
           </a:p>
@@ -4783,50 +4799,178 @@
           <a:p>
             <a:r>
               <a:rPr lang="fr-FR" dirty="0" smtClean="0"/>
-              <a:t>Permet d'effectuer un </a:t>
+              <a:t>Les formulaires possèdent la directive </a:t>
             </a:r>
             <a:r>
               <a:rPr lang="fr-FR" dirty="0" err="1" smtClean="0"/>
-              <a:t>span</a:t>
+              <a:t>ngSubmit</a:t>
+            </a:r>
+            <a:endParaRPr lang="fr-FR" dirty="0" smtClean="0"/>
+          </a:p>
+          <a:p>
+            <a:pPr marL="457200" lvl="1" indent="0">
+              <a:buNone/>
+            </a:pPr>
+            <a:r>
+              <a:rPr lang="fr-FR" dirty="0" smtClean="0"/>
+              <a:t>&lt;</a:t>
+            </a:r>
+            <a:r>
+              <a:rPr lang="fr-FR" dirty="0" err="1"/>
+              <a:t>form</a:t>
+            </a:r>
+            <a:r>
+              <a:rPr lang="fr-FR" dirty="0"/>
+              <a:t> #</a:t>
+            </a:r>
+            <a:r>
+              <a:rPr lang="fr-FR" dirty="0" err="1"/>
+              <a:t>heroForm</a:t>
+            </a:r>
+            <a:r>
+              <a:rPr lang="fr-FR" dirty="0"/>
+              <a:t> (</a:t>
+            </a:r>
+            <a:r>
+              <a:rPr lang="fr-FR" dirty="0" err="1"/>
+              <a:t>ngSubmit</a:t>
+            </a:r>
+            <a:r>
+              <a:rPr lang="fr-FR" dirty="0"/>
+              <a:t>)="</a:t>
+            </a:r>
+            <a:r>
+              <a:rPr lang="fr-FR" dirty="0" err="1"/>
+              <a:t>onSubmit</a:t>
+            </a:r>
+            <a:r>
+              <a:rPr lang="fr-FR" dirty="0"/>
+              <a:t>(</a:t>
+            </a:r>
+            <a:r>
+              <a:rPr lang="fr-FR" dirty="0" err="1"/>
+              <a:t>heroForm</a:t>
+            </a:r>
+            <a:r>
+              <a:rPr lang="fr-FR" dirty="0"/>
+              <a:t>)"&gt; ... &lt;/</a:t>
+            </a:r>
+            <a:r>
+              <a:rPr lang="fr-FR" dirty="0" err="1"/>
+              <a:t>form</a:t>
+            </a:r>
+            <a:r>
+              <a:rPr lang="fr-FR" dirty="0" smtClean="0"/>
+              <a:t>&gt;</a:t>
+            </a:r>
+          </a:p>
+          <a:p>
+            <a:r>
+              <a:rPr lang="fr-FR" dirty="0" smtClean="0"/>
+              <a:t>Utilisation de </a:t>
+            </a:r>
+            <a:r>
+              <a:rPr lang="fr-FR" dirty="0" err="1" smtClean="0"/>
+              <a:t>ngModel</a:t>
+            </a:r>
+            <a:endParaRPr lang="fr-FR" dirty="0" smtClean="0"/>
+          </a:p>
+          <a:p>
+            <a:pPr lvl="1"/>
+            <a:r>
+              <a:rPr lang="fr-FR" dirty="0" smtClean="0"/>
+              <a:t>[(</a:t>
+            </a:r>
+            <a:r>
+              <a:rPr lang="fr-FR" dirty="0" err="1" smtClean="0"/>
+              <a:t>ngModel</a:t>
+            </a:r>
+            <a:r>
+              <a:rPr lang="fr-FR" dirty="0" smtClean="0"/>
+              <a:t>)]</a:t>
+            </a:r>
+          </a:p>
+          <a:p>
+            <a:r>
+              <a:rPr lang="fr-FR" dirty="0" smtClean="0"/>
+              <a:t>Il existe 2 autres directives </a:t>
+            </a:r>
+            <a:r>
+              <a:rPr lang="fr-FR" dirty="0" err="1" smtClean="0"/>
+              <a:t>two-way</a:t>
+            </a:r>
+            <a:r>
+              <a:rPr lang="fr-FR" dirty="0" smtClean="0"/>
+              <a:t> data binding</a:t>
+            </a:r>
+          </a:p>
+          <a:p>
+            <a:pPr lvl="1"/>
+            <a:r>
+              <a:rPr lang="fr-FR" dirty="0" err="1" smtClean="0"/>
+              <a:t>ngClass</a:t>
+            </a:r>
+            <a:endParaRPr lang="fr-FR" dirty="0" smtClean="0"/>
+          </a:p>
+          <a:p>
+            <a:pPr lvl="1"/>
+            <a:r>
+              <a:rPr lang="fr-FR" dirty="0" err="1" smtClean="0"/>
+              <a:t>ngStyle</a:t>
+            </a:r>
+            <a:endParaRPr lang="fr-FR" dirty="0" smtClean="0"/>
+          </a:p>
+          <a:p>
+            <a:pPr lvl="1"/>
+            <a:r>
+              <a:rPr lang="en-US" dirty="0"/>
+              <a:t>&lt;div [</a:t>
+            </a:r>
+            <a:r>
+              <a:rPr lang="en-US" dirty="0" err="1"/>
+              <a:t>ngClass</a:t>
+            </a:r>
+            <a:r>
+              <a:rPr lang="en-US" dirty="0"/>
+              <a:t>]="</a:t>
+            </a:r>
+            <a:r>
+              <a:rPr lang="en-US" dirty="0" err="1"/>
+              <a:t>currentClasses</a:t>
+            </a:r>
+            <a:r>
+              <a:rPr lang="en-US" dirty="0"/>
+              <a:t>"&gt;This div is initially </a:t>
+            </a:r>
+            <a:r>
+              <a:rPr lang="en-US" dirty="0" err="1"/>
+              <a:t>saveable</a:t>
+            </a:r>
+            <a:r>
+              <a:rPr lang="en-US" dirty="0"/>
+              <a:t>, unchanged, and special&lt;/div&gt;</a:t>
             </a:r>
             <a:endParaRPr lang="fr-FR" dirty="0"/>
           </a:p>
         </p:txBody>
       </p:sp>
-      <p:pic>
-        <p:nvPicPr>
-          <p:cNvPr id="4" name="Image 3"/>
-          <p:cNvPicPr>
-            <a:picLocks noChangeAspect="1"/>
-          </p:cNvPicPr>
-          <p:nvPr/>
-        </p:nvPicPr>
-        <p:blipFill>
-          <a:blip r:embed="rId2"/>
-          <a:stretch>
-            <a:fillRect/>
-          </a:stretch>
-        </p:blipFill>
-        <p:spPr>
-          <a:xfrm>
-            <a:off x="2699792" y="2132856"/>
-            <a:ext cx="3579465" cy="3639523"/>
-          </a:xfrm>
-          <a:prstGeom prst="rect">
-            <a:avLst/>
-          </a:prstGeom>
-        </p:spPr>
-      </p:pic>
     </p:spTree>
     <p:extLst>
       <p:ext uri="{BB962C8B-B14F-4D97-AF65-F5344CB8AC3E}">
-        <p14:creationId xmlns:p14="http://schemas.microsoft.com/office/powerpoint/2010/main" val="2074579251"/>
+        <p14:creationId xmlns:p14="http://schemas.microsoft.com/office/powerpoint/2010/main" val="2930495281"/>
       </p:ext>
     </p:extLst>
   </p:cSld>
   <p:clrMapOvr>
     <a:masterClrMapping/>
   </p:clrMapOvr>
+  <p:timing>
+    <p:tnLst>
+      <p:par>
+        <p:cTn id="1" dur="indefinite" restart="never" nodeType="tmRoot"/>
+      </p:par>
+    </p:tnLst>
+  </p:timing>
 </p:sld>
 </file>
 
@@ -4863,8 +5007,8 @@
           <a:lstStyle/>
           <a:p>
             <a:r>
-              <a:rPr lang="fr-FR" dirty="0" smtClean="0"/>
-              <a:t>Création de directive</a:t>
+              <a:rPr lang="fr-FR" dirty="0" err="1" smtClean="0"/>
+              <a:t>ngContainer</a:t>
             </a:r>
             <a:endParaRPr lang="fr-FR" dirty="0"/>
           </a:p>
@@ -4887,58 +5031,44 @@
           <a:p>
             <a:r>
               <a:rPr lang="fr-FR" dirty="0" smtClean="0"/>
-              <a:t>Il est possible de créer soit même une directive</a:t>
-            </a:r>
-          </a:p>
-          <a:p>
-            <a:r>
-              <a:rPr lang="fr-FR" dirty="0" smtClean="0"/>
-              <a:t>Il existe 3 sortes de directives</a:t>
-            </a:r>
-          </a:p>
-          <a:p>
-            <a:pPr lvl="1"/>
-            <a:r>
-              <a:rPr lang="fr-FR" dirty="0" smtClean="0"/>
-              <a:t>Les composants qui sont des directives avec </a:t>
+              <a:t>Permet d'effectuer un </a:t>
             </a:r>
             <a:r>
               <a:rPr lang="fr-FR" dirty="0" err="1" smtClean="0"/>
-              <a:t>template</a:t>
-            </a:r>
-            <a:r>
-              <a:rPr lang="fr-FR" dirty="0" smtClean="0"/>
-              <a:t> HTML</a:t>
-            </a:r>
-          </a:p>
-          <a:p>
-            <a:pPr lvl="2"/>
-            <a:r>
-              <a:rPr lang="fr-FR" dirty="0" smtClean="0"/>
-              <a:t>Voir chapitre suivant</a:t>
-            </a:r>
-          </a:p>
-          <a:p>
-            <a:pPr lvl="1"/>
-            <a:r>
-              <a:rPr lang="fr-FR" dirty="0" smtClean="0"/>
-              <a:t>Les directives structurelles qui modifient le DOM</a:t>
-            </a:r>
-          </a:p>
-          <a:p>
-            <a:pPr lvl="1"/>
-            <a:r>
-              <a:rPr lang="fr-FR" dirty="0" smtClean="0"/>
-              <a:t>Les directives d'attribut qui apportent une modification à l'élément hôte</a:t>
+              <a:t>span</a:t>
             </a:r>
             <a:endParaRPr lang="fr-FR" dirty="0"/>
           </a:p>
         </p:txBody>
       </p:sp>
+      <p:pic>
+        <p:nvPicPr>
+          <p:cNvPr id="4" name="Image 3"/>
+          <p:cNvPicPr>
+            <a:picLocks noChangeAspect="1"/>
+          </p:cNvPicPr>
+          <p:nvPr/>
+        </p:nvPicPr>
+        <p:blipFill>
+          <a:blip r:embed="rId2"/>
+          <a:stretch>
+            <a:fillRect/>
+          </a:stretch>
+        </p:blipFill>
+        <p:spPr>
+          <a:xfrm>
+            <a:off x="2699792" y="2132856"/>
+            <a:ext cx="3579465" cy="3639523"/>
+          </a:xfrm>
+          <a:prstGeom prst="rect">
+            <a:avLst/>
+          </a:prstGeom>
+        </p:spPr>
+      </p:pic>
     </p:spTree>
     <p:extLst>
       <p:ext uri="{BB962C8B-B14F-4D97-AF65-F5344CB8AC3E}">
-        <p14:creationId xmlns:p14="http://schemas.microsoft.com/office/powerpoint/2010/main" val="352958607"/>
+        <p14:creationId xmlns:p14="http://schemas.microsoft.com/office/powerpoint/2010/main" val="2074579251"/>
       </p:ext>
     </p:extLst>
   </p:cSld>
@@ -4989,7 +5119,7 @@
           <a:p>
             <a:r>
               <a:rPr lang="fr-FR" dirty="0" smtClean="0"/>
-              <a:t>Création d'une directive attribut</a:t>
+              <a:t>Création de directive</a:t>
             </a:r>
             <a:endParaRPr lang="fr-FR" dirty="0"/>
           </a:p>
@@ -5012,133 +5142,58 @@
           <a:p>
             <a:r>
               <a:rPr lang="fr-FR" dirty="0" smtClean="0"/>
-              <a:t>Afin d'effectuer le code suivant</a:t>
+              <a:t>Il est possible de créer soit même une directive</a:t>
+            </a:r>
+          </a:p>
+          <a:p>
+            <a:r>
+              <a:rPr lang="fr-FR" dirty="0" smtClean="0"/>
+              <a:t>Il existe 3 sortes de directives</a:t>
             </a:r>
           </a:p>
           <a:p>
             <a:pPr lvl="1"/>
             <a:r>
-              <a:rPr lang="fr-FR" dirty="0"/>
-              <a:t>&lt;p </a:t>
-            </a:r>
-            <a:r>
-              <a:rPr lang="fr-FR" dirty="0" err="1"/>
-              <a:t>appHighlight</a:t>
-            </a:r>
-            <a:r>
-              <a:rPr lang="fr-FR" dirty="0"/>
-              <a:t>&gt;</a:t>
-            </a:r>
-            <a:r>
-              <a:rPr lang="fr-FR" dirty="0" err="1"/>
-              <a:t>Highlight</a:t>
-            </a:r>
-            <a:r>
-              <a:rPr lang="fr-FR" dirty="0"/>
-              <a:t> me!&lt;/p</a:t>
-            </a:r>
-            <a:r>
-              <a:rPr lang="fr-FR" dirty="0" smtClean="0"/>
-              <a:t>&gt;</a:t>
+              <a:rPr lang="fr-FR" dirty="0" smtClean="0"/>
+              <a:t>Les composants qui sont des directives avec </a:t>
+            </a:r>
+            <a:r>
+              <a:rPr lang="fr-FR" dirty="0" err="1" smtClean="0"/>
+              <a:t>template</a:t>
+            </a:r>
+            <a:r>
+              <a:rPr lang="fr-FR" dirty="0" smtClean="0"/>
+              <a:t> HTML</a:t>
+            </a:r>
+          </a:p>
+          <a:p>
+            <a:pPr lvl="2"/>
+            <a:r>
+              <a:rPr lang="fr-FR" dirty="0" smtClean="0"/>
+              <a:t>Voir chapitre suivant</a:t>
             </a:r>
           </a:p>
           <a:p>
             <a:pPr lvl="1"/>
             <a:r>
               <a:rPr lang="fr-FR" dirty="0" smtClean="0"/>
-              <a:t>Il faut générer la directive</a:t>
+              <a:t>Les directives structurelles qui modifient le DOM</a:t>
             </a:r>
           </a:p>
           <a:p>
             <a:pPr lvl="1"/>
             <a:r>
-              <a:rPr lang="fr-FR" dirty="0" err="1"/>
-              <a:t>ng</a:t>
-            </a:r>
-            <a:r>
-              <a:rPr lang="fr-FR" dirty="0"/>
-              <a:t> </a:t>
-            </a:r>
-            <a:r>
-              <a:rPr lang="fr-FR" dirty="0" err="1"/>
-              <a:t>generate</a:t>
-            </a:r>
-            <a:r>
-              <a:rPr lang="fr-FR" dirty="0"/>
-              <a:t> directive </a:t>
-            </a:r>
-            <a:r>
-              <a:rPr lang="fr-FR" dirty="0" err="1" smtClean="0"/>
-              <a:t>highlight</a:t>
-            </a:r>
-            <a:endParaRPr lang="fr-FR" dirty="0" smtClean="0"/>
-          </a:p>
-          <a:p>
-            <a:pPr lvl="1"/>
-            <a:r>
-              <a:rPr lang="fr-FR" dirty="0" err="1"/>
-              <a:t>ElementRef</a:t>
-            </a:r>
-            <a:r>
-              <a:rPr lang="fr-FR" dirty="0"/>
-              <a:t> est injecté dans le constructeur par </a:t>
-            </a:r>
-            <a:r>
-              <a:rPr lang="fr-FR" dirty="0" err="1"/>
-              <a:t>Angular</a:t>
-            </a:r>
-            <a:r>
-              <a:rPr lang="fr-FR" dirty="0"/>
-              <a:t> afin de récupérer l'</a:t>
-            </a:r>
-            <a:r>
-              <a:rPr lang="fr-FR" dirty="0" err="1"/>
-              <a:t>élement</a:t>
-            </a:r>
-            <a:r>
-              <a:rPr lang="fr-FR" dirty="0"/>
-              <a:t> du DOM dans notre classe</a:t>
-            </a:r>
-            <a:endParaRPr lang="fr-FR" dirty="0" smtClean="0"/>
-          </a:p>
-          <a:p>
-            <a:pPr lvl="1"/>
-            <a:endParaRPr lang="fr-FR" dirty="0" smtClean="0"/>
-          </a:p>
-          <a:p>
-            <a:pPr lvl="1"/>
+              <a:rPr lang="fr-FR" dirty="0" smtClean="0"/>
+              <a:t>Les directives d'attribut qui apportent une modification à l'élément hôte</a:t>
+            </a:r>
             <a:endParaRPr lang="fr-FR" dirty="0"/>
           </a:p>
         </p:txBody>
       </p:sp>
-      <p:pic>
-        <p:nvPicPr>
-          <p:cNvPr id="4" name="Image 3"/>
-          <p:cNvPicPr>
-            <a:picLocks noChangeAspect="1"/>
-          </p:cNvPicPr>
-          <p:nvPr/>
-        </p:nvPicPr>
-        <p:blipFill>
-          <a:blip r:embed="rId2"/>
-          <a:stretch>
-            <a:fillRect/>
-          </a:stretch>
-        </p:blipFill>
-        <p:spPr>
-          <a:xfrm>
-            <a:off x="2195736" y="4008208"/>
-            <a:ext cx="4356959" cy="2701695"/>
-          </a:xfrm>
-          <a:prstGeom prst="rect">
-            <a:avLst/>
-          </a:prstGeom>
-        </p:spPr>
-      </p:pic>
     </p:spTree>
     <p:extLst>
       <p:ext uri="{BB962C8B-B14F-4D97-AF65-F5344CB8AC3E}">
-        <p14:creationId xmlns:p14="http://schemas.microsoft.com/office/powerpoint/2010/main" val="4154879116"/>
+        <p14:creationId xmlns:p14="http://schemas.microsoft.com/office/powerpoint/2010/main" val="352958607"/>
       </p:ext>
     </p:extLst>
   </p:cSld>
@@ -5189,7 +5244,7 @@
           <a:p>
             <a:r>
               <a:rPr lang="fr-FR" dirty="0" smtClean="0"/>
-              <a:t>Directive avec interaction</a:t>
+              <a:t>Création d'une directive attribut</a:t>
             </a:r>
             <a:endParaRPr lang="fr-FR" dirty="0"/>
           </a:p>
@@ -5205,41 +5260,109 @@
             <p:ph idx="1"/>
           </p:nvPr>
         </p:nvSpPr>
-        <p:spPr>
-          <a:xfrm>
-            <a:off x="179513" y="1412776"/>
-            <a:ext cx="3456384" cy="5040560"/>
-          </a:xfrm>
-        </p:spPr>
+        <p:spPr/>
         <p:txBody>
           <a:bodyPr/>
           <a:lstStyle/>
           <a:p>
             <a:r>
-              <a:rPr lang="fr-FR" sz="2400" dirty="0" err="1"/>
+              <a:rPr lang="fr-FR" dirty="0" smtClean="0"/>
+              <a:t>Afin d'effectuer le code suivant</a:t>
+            </a:r>
+          </a:p>
+          <a:p>
+            <a:pPr lvl="1"/>
+            <a:r>
+              <a:rPr lang="fr-FR" dirty="0"/>
+              <a:t>&lt;p </a:t>
+            </a:r>
+            <a:r>
+              <a:rPr lang="fr-FR" dirty="0" err="1"/>
+              <a:t>appHighlight</a:t>
+            </a:r>
+            <a:r>
+              <a:rPr lang="fr-FR" dirty="0"/>
+              <a:t>&gt;</a:t>
+            </a:r>
+            <a:r>
+              <a:rPr lang="fr-FR" dirty="0" err="1"/>
+              <a:t>Highlight</a:t>
+            </a:r>
+            <a:r>
+              <a:rPr lang="fr-FR" dirty="0"/>
+              <a:t> me!&lt;/p</a:t>
+            </a:r>
+            <a:r>
+              <a:rPr lang="fr-FR" dirty="0" smtClean="0"/>
+              <a:t>&gt;</a:t>
+            </a:r>
+          </a:p>
+          <a:p>
+            <a:pPr lvl="1"/>
+            <a:r>
+              <a:rPr lang="fr-FR" dirty="0" smtClean="0"/>
+              <a:t>Il faut générer la directive</a:t>
+            </a:r>
+          </a:p>
+          <a:p>
+            <a:pPr lvl="1"/>
+            <a:r>
+              <a:rPr lang="fr-FR" dirty="0" err="1"/>
+              <a:t>ng</a:t>
+            </a:r>
+            <a:r>
+              <a:rPr lang="fr-FR" dirty="0"/>
+              <a:t> </a:t>
+            </a:r>
+            <a:r>
+              <a:rPr lang="fr-FR" dirty="0" err="1"/>
+              <a:t>generate</a:t>
+            </a:r>
+            <a:r>
+              <a:rPr lang="fr-FR" dirty="0"/>
+              <a:t> directive </a:t>
+            </a:r>
+            <a:r>
+              <a:rPr lang="fr-FR" dirty="0" err="1" smtClean="0"/>
+              <a:t>highlight</a:t>
+            </a:r>
+            <a:endParaRPr lang="fr-FR" dirty="0" smtClean="0"/>
+          </a:p>
+          <a:p>
+            <a:pPr lvl="1"/>
+            <a:r>
+              <a:rPr lang="fr-FR" dirty="0" err="1"/>
+              <a:t>ElementRef</a:t>
+            </a:r>
+            <a:r>
+              <a:rPr lang="fr-FR" dirty="0"/>
+              <a:t> est injecté dans le constructeur par </a:t>
+            </a:r>
+            <a:r>
+              <a:rPr lang="fr-FR" dirty="0" err="1"/>
               <a:t>Angular</a:t>
             </a:r>
             <a:r>
-              <a:rPr lang="fr-FR" sz="2400" dirty="0"/>
-              <a:t> propose le décorateur @</a:t>
-            </a:r>
-            <a:r>
-              <a:rPr lang="fr-FR" sz="2400" dirty="0" err="1"/>
-              <a:t>HostListener</a:t>
-            </a:r>
-            <a:r>
-              <a:rPr lang="fr-FR" sz="2400" dirty="0"/>
-              <a:t> pour positionner des </a:t>
-            </a:r>
-            <a:r>
-              <a:rPr lang="fr-FR" sz="2400" dirty="0" err="1"/>
-              <a:t>Listners</a:t>
-            </a:r>
-            <a:r>
-              <a:rPr lang="fr-FR" sz="2400" dirty="0"/>
-              <a:t> sur l'élément</a:t>
-            </a:r>
-            <a:endParaRPr lang="fr-FR" sz="2400" dirty="0"/>
+              <a:rPr lang="fr-FR" dirty="0"/>
+              <a:t> afin de récupérer l'</a:t>
+            </a:r>
+            <a:r>
+              <a:rPr lang="fr-FR" dirty="0" err="1"/>
+              <a:t>élement</a:t>
+            </a:r>
+            <a:r>
+              <a:rPr lang="fr-FR" dirty="0"/>
+              <a:t> du DOM dans notre classe</a:t>
+            </a:r>
+            <a:endParaRPr lang="fr-FR" dirty="0" smtClean="0"/>
+          </a:p>
+          <a:p>
+            <a:pPr lvl="1"/>
+            <a:endParaRPr lang="fr-FR" dirty="0" smtClean="0"/>
+          </a:p>
+          <a:p>
+            <a:pPr lvl="1"/>
+            <a:endParaRPr lang="fr-FR" dirty="0"/>
           </a:p>
         </p:txBody>
       </p:sp>
@@ -5259,8 +5382,8 @@
         </p:blipFill>
         <p:spPr>
           <a:xfrm>
-            <a:off x="3663193" y="932242"/>
-            <a:ext cx="6768752" cy="6001627"/>
+            <a:off x="2195736" y="4008208"/>
+            <a:ext cx="4356959" cy="2701695"/>
           </a:xfrm>
           <a:prstGeom prst="rect">
             <a:avLst/>
@@ -5270,7 +5393,7 @@
     </p:spTree>
     <p:extLst>
       <p:ext uri="{BB962C8B-B14F-4D97-AF65-F5344CB8AC3E}">
-        <p14:creationId xmlns:p14="http://schemas.microsoft.com/office/powerpoint/2010/main" val="4027374426"/>
+        <p14:creationId xmlns:p14="http://schemas.microsoft.com/office/powerpoint/2010/main" val="4154879116"/>
       </p:ext>
     </p:extLst>
   </p:cSld>
@@ -5321,7 +5444,7 @@
           <a:p>
             <a:r>
               <a:rPr lang="fr-FR" dirty="0" smtClean="0"/>
-              <a:t>@Input</a:t>
+              <a:t>Directive avec interaction</a:t>
             </a:r>
             <a:endParaRPr lang="fr-FR" dirty="0"/>
           </a:p>
@@ -5337,130 +5460,71 @@
             <p:ph idx="1"/>
           </p:nvPr>
         </p:nvSpPr>
-        <p:spPr/>
+        <p:spPr>
+          <a:xfrm>
+            <a:off x="179513" y="1412776"/>
+            <a:ext cx="3456384" cy="5040560"/>
+          </a:xfrm>
+        </p:spPr>
         <p:txBody>
           <a:bodyPr/>
           <a:lstStyle/>
           <a:p>
             <a:r>
-              <a:rPr lang="fr-FR" dirty="0" smtClean="0"/>
-              <a:t>@Input sera vu plus en détail dans le chapitre suivant</a:t>
-            </a:r>
-          </a:p>
-          <a:p>
-            <a:r>
-              <a:rPr lang="fr-FR" dirty="0" smtClean="0"/>
-              <a:t>Permet de passer un paramètre à une directive</a:t>
-            </a:r>
-          </a:p>
-          <a:p>
-            <a:r>
-              <a:rPr lang="fr-FR" dirty="0" smtClean="0"/>
-              <a:t>Si on ajoute dans la directive le code suivant :</a:t>
-            </a:r>
-          </a:p>
-          <a:p>
-            <a:pPr marL="457200" lvl="1" indent="0">
-              <a:buNone/>
-            </a:pPr>
-            <a:r>
-              <a:rPr lang="fr-FR" dirty="0"/>
-              <a:t>@Input('</a:t>
-            </a:r>
-            <a:r>
-              <a:rPr lang="fr-FR" dirty="0" err="1"/>
-              <a:t>appHighlight</a:t>
-            </a:r>
-            <a:r>
-              <a:rPr lang="fr-FR" dirty="0"/>
-              <a:t>') </a:t>
-            </a:r>
-            <a:r>
-              <a:rPr lang="fr-FR" dirty="0" err="1"/>
-              <a:t>highlightColor</a:t>
-            </a:r>
-            <a:r>
-              <a:rPr lang="fr-FR" dirty="0"/>
-              <a:t>: string</a:t>
-            </a:r>
-            <a:r>
-              <a:rPr lang="fr-FR" dirty="0" smtClean="0"/>
-              <a:t>;</a:t>
-            </a:r>
-          </a:p>
-          <a:p>
-            <a:pPr marL="457200" lvl="1" indent="0">
-              <a:buNone/>
-            </a:pPr>
-            <a:r>
-              <a:rPr lang="fr-FR" dirty="0" smtClean="0"/>
-              <a:t>// Ce code remplace "</a:t>
-            </a:r>
-            <a:r>
-              <a:rPr lang="fr-FR" dirty="0" err="1" smtClean="0"/>
-              <a:t>yellow</a:t>
-            </a:r>
-            <a:r>
-              <a:rPr lang="fr-FR" dirty="0" smtClean="0"/>
-              <a:t>"</a:t>
-            </a:r>
-          </a:p>
-          <a:p>
-            <a:r>
-              <a:rPr lang="fr-FR" dirty="0" smtClean="0"/>
-              <a:t>Appel</a:t>
-            </a:r>
-          </a:p>
-          <a:p>
-            <a:pPr marL="457200" lvl="1" indent="0">
-              <a:buNone/>
-            </a:pPr>
-            <a:r>
-              <a:rPr lang="en-US" dirty="0"/>
-              <a:t>&lt;div [</a:t>
-            </a:r>
-            <a:r>
-              <a:rPr lang="en-US" dirty="0" err="1"/>
-              <a:t>appHighlight</a:t>
-            </a:r>
-            <a:r>
-              <a:rPr lang="en-US" dirty="0"/>
-              <a:t>]="'yellow'"&gt;</a:t>
-            </a:r>
-            <a:r>
-              <a:rPr lang="en-US" dirty="0" err="1"/>
-              <a:t>Texte</a:t>
-            </a:r>
-            <a:r>
-              <a:rPr lang="en-US" dirty="0"/>
-              <a:t> </a:t>
-            </a:r>
-            <a:r>
-              <a:rPr lang="en-US" dirty="0" err="1"/>
-              <a:t>en</a:t>
-            </a:r>
-            <a:r>
-              <a:rPr lang="en-US" dirty="0"/>
-              <a:t> highlight&lt;/div&gt;</a:t>
-            </a:r>
-            <a:endParaRPr lang="fr-FR" dirty="0" smtClean="0"/>
-          </a:p>
-          <a:p>
-            <a:pPr marL="457200" lvl="1" indent="0">
-              <a:buNone/>
-            </a:pPr>
-            <a:r>
-              <a:rPr lang="fr-FR" dirty="0"/>
-              <a:t>	</a:t>
-            </a:r>
-            <a:endParaRPr lang="fr-FR" dirty="0" smtClean="0"/>
+              <a:rPr lang="fr-FR" sz="2400" dirty="0" err="1"/>
+              <a:t>Angular</a:t>
+            </a:r>
+            <a:r>
+              <a:rPr lang="fr-FR" sz="2400" dirty="0"/>
+              <a:t> propose le décorateur @</a:t>
+            </a:r>
+            <a:r>
+              <a:rPr lang="fr-FR" sz="2400" dirty="0" err="1"/>
+              <a:t>HostListener</a:t>
+            </a:r>
+            <a:r>
+              <a:rPr lang="fr-FR" sz="2400" dirty="0"/>
+              <a:t> pour positionner des </a:t>
+            </a:r>
+            <a:r>
+              <a:rPr lang="fr-FR" sz="2400" dirty="0" err="1"/>
+              <a:t>Listners</a:t>
+            </a:r>
+            <a:r>
+              <a:rPr lang="fr-FR" sz="2400" dirty="0"/>
+              <a:t> sur l'élément</a:t>
+            </a:r>
           </a:p>
         </p:txBody>
       </p:sp>
+      <p:pic>
+        <p:nvPicPr>
+          <p:cNvPr id="4" name="Image 3"/>
+          <p:cNvPicPr>
+            <a:picLocks noChangeAspect="1"/>
+          </p:cNvPicPr>
+          <p:nvPr/>
+        </p:nvPicPr>
+        <p:blipFill>
+          <a:blip r:embed="rId2"/>
+          <a:stretch>
+            <a:fillRect/>
+          </a:stretch>
+        </p:blipFill>
+        <p:spPr>
+          <a:xfrm>
+            <a:off x="3663193" y="932242"/>
+            <a:ext cx="6768752" cy="6001627"/>
+          </a:xfrm>
+          <a:prstGeom prst="rect">
+            <a:avLst/>
+          </a:prstGeom>
+        </p:spPr>
+      </p:pic>
     </p:spTree>
     <p:extLst>
       <p:ext uri="{BB962C8B-B14F-4D97-AF65-F5344CB8AC3E}">
-        <p14:creationId xmlns:p14="http://schemas.microsoft.com/office/powerpoint/2010/main" val="3990031671"/>
+        <p14:creationId xmlns:p14="http://schemas.microsoft.com/office/powerpoint/2010/main" val="4027374426"/>
       </p:ext>
     </p:extLst>
   </p:cSld>
@@ -5511,7 +5575,7 @@
           <a:p>
             <a:r>
               <a:rPr lang="fr-FR" dirty="0" smtClean="0"/>
-              <a:t>Directives structurelles</a:t>
+              <a:t>@Input</a:t>
             </a:r>
             <a:endParaRPr lang="fr-FR" dirty="0"/>
           </a:p>
@@ -5534,79 +5598,19 @@
           <a:p>
             <a:r>
               <a:rPr lang="fr-FR" dirty="0" smtClean="0"/>
-              <a:t>Les directives structurelles sont préfixées par *</a:t>
-            </a:r>
-          </a:p>
-          <a:p>
-            <a:pPr lvl="1"/>
-            <a:r>
-              <a:rPr lang="fr-FR" dirty="0" smtClean="0"/>
-              <a:t>Signifie qu'elle modifie le </a:t>
-            </a:r>
-            <a:r>
-              <a:rPr lang="fr-FR" dirty="0" smtClean="0"/>
-              <a:t>DOM</a:t>
-            </a:r>
-          </a:p>
-          <a:p>
-            <a:pPr lvl="1"/>
-            <a:r>
-              <a:rPr lang="fr-FR" dirty="0" smtClean="0"/>
-              <a:t>Par exemple *</a:t>
-            </a:r>
-            <a:r>
-              <a:rPr lang="fr-FR" dirty="0" err="1" smtClean="0"/>
-              <a:t>ngIf</a:t>
-            </a:r>
-            <a:endParaRPr lang="fr-FR" dirty="0" smtClean="0"/>
-          </a:p>
-          <a:p>
-            <a:r>
-              <a:rPr lang="fr-FR" dirty="0"/>
-              <a:t>L'astérisque est "sucre syntaxique" pour quelque chose d'un peu plus </a:t>
-            </a:r>
-            <a:r>
-              <a:rPr lang="fr-FR" dirty="0" smtClean="0"/>
-              <a:t>compliqué</a:t>
-            </a:r>
-          </a:p>
-          <a:p>
-            <a:pPr lvl="1"/>
-            <a:r>
-              <a:rPr lang="fr-FR" dirty="0" smtClean="0"/>
-              <a:t>En </a:t>
-            </a:r>
-            <a:r>
-              <a:rPr lang="fr-FR" dirty="0"/>
-              <a:t>interne, </a:t>
-            </a:r>
-            <a:r>
-              <a:rPr lang="fr-FR" dirty="0" err="1"/>
-              <a:t>Angular</a:t>
-            </a:r>
-            <a:r>
-              <a:rPr lang="fr-FR" dirty="0"/>
-              <a:t> traduit l' attribut * </a:t>
-            </a:r>
-            <a:r>
-              <a:rPr lang="fr-FR" dirty="0" err="1"/>
-              <a:t>ngIf</a:t>
-            </a:r>
-            <a:r>
-              <a:rPr lang="fr-FR" dirty="0"/>
-              <a:t> en un élément &lt;</a:t>
-            </a:r>
-            <a:r>
-              <a:rPr lang="fr-FR" dirty="0" err="1"/>
-              <a:t>ng-template</a:t>
-            </a:r>
-            <a:r>
-              <a:rPr lang="fr-FR" dirty="0"/>
-              <a:t>&gt; , enroulé autour de l'élément host, comme </a:t>
-            </a:r>
-            <a:r>
-              <a:rPr lang="fr-FR" dirty="0" smtClean="0"/>
-              <a:t>ceci</a:t>
+              <a:t>@Input sera vu plus en détail dans le chapitre suivant</a:t>
+            </a:r>
+          </a:p>
+          <a:p>
+            <a:r>
+              <a:rPr lang="fr-FR" dirty="0" smtClean="0"/>
+              <a:t>Permet de passer un paramètre à une directive</a:t>
+            </a:r>
+          </a:p>
+          <a:p>
+            <a:r>
+              <a:rPr lang="fr-FR" dirty="0" smtClean="0"/>
+              <a:t>Si on ajoute dans la directive le code suivant :</a:t>
             </a:r>
           </a:p>
           <a:p>
@@ -5614,36 +5618,28 @@
               <a:buNone/>
             </a:pPr>
             <a:r>
-              <a:rPr lang="fr-FR" dirty="0" smtClean="0"/>
-              <a:t>&lt;</a:t>
-            </a:r>
-            <a:r>
-              <a:rPr lang="fr-FR" dirty="0" err="1" smtClean="0"/>
-              <a:t>ng-template</a:t>
-            </a:r>
-            <a:r>
-              <a:rPr lang="fr-FR" dirty="0" smtClean="0"/>
-              <a:t> </a:t>
-            </a:r>
-            <a:r>
               <a:rPr lang="fr-FR" dirty="0"/>
-              <a:t>[</a:t>
+              <a:t>@Input('</a:t>
             </a:r>
             <a:r>
               <a:rPr lang="fr-FR" dirty="0" err="1"/>
-              <a:t>ngIf</a:t>
+              <a:t>appHighlight</a:t>
             </a:r>
             <a:r>
               <a:rPr lang="fr-FR" dirty="0"/>
-              <a:t>]="</a:t>
+              <a:t>') </a:t>
             </a:r>
             <a:r>
               <a:rPr lang="fr-FR" dirty="0" err="1"/>
-              <a:t>hero</a:t>
+              <a:t>highlightColor</a:t>
             </a:r>
             <a:r>
               <a:rPr lang="fr-FR" dirty="0"/>
-              <a:t>"&gt;</a:t>
+              <a:t>: string</a:t>
+            </a:r>
+            <a:r>
+              <a:rPr lang="fr-FR" dirty="0" smtClean="0"/>
+              <a:t>;</a:t>
             </a:r>
           </a:p>
           <a:p>
@@ -5651,16 +5647,22 @@
               <a:buNone/>
             </a:pPr>
             <a:r>
-              <a:rPr lang="fr-FR" dirty="0"/>
-              <a:t>  &lt;div class="</a:t>
-            </a:r>
-            <a:r>
-              <a:rPr lang="fr-FR" dirty="0" err="1"/>
-              <a:t>name</a:t>
-            </a:r>
-            <a:r>
-              <a:rPr lang="fr-FR" dirty="0"/>
-              <a:t>"&gt;{{hero.name}}&lt;/div&gt;</a:t>
+              <a:rPr lang="fr-FR" dirty="0" smtClean="0"/>
+              <a:t>// Ce code remplace "</a:t>
+            </a:r>
+            <a:r>
+              <a:rPr lang="fr-FR" dirty="0" err="1" smtClean="0"/>
+              <a:t>yellow</a:t>
+            </a:r>
+            <a:r>
+              <a:rPr lang="fr-FR" dirty="0" smtClean="0"/>
+              <a:t>"</a:t>
+            </a:r>
+          </a:p>
+          <a:p>
+            <a:r>
+              <a:rPr lang="fr-FR" dirty="0" smtClean="0"/>
+              <a:t>Appel</a:t>
             </a:r>
           </a:p>
           <a:p>
@@ -5668,25 +5670,51 @@
               <a:buNone/>
             </a:pPr>
             <a:r>
+              <a:rPr lang="en-US" dirty="0"/>
+              <a:t>&lt;div [</a:t>
+            </a:r>
+            <a:r>
+              <a:rPr lang="en-US" dirty="0" err="1"/>
+              <a:t>appHighlight</a:t>
+            </a:r>
+            <a:r>
+              <a:rPr lang="en-US" dirty="0"/>
+              <a:t>]="'yellow'"&gt;</a:t>
+            </a:r>
+            <a:r>
+              <a:rPr lang="en-US" dirty="0" err="1"/>
+              <a:t>Texte</a:t>
+            </a:r>
+            <a:r>
+              <a:rPr lang="en-US" dirty="0"/>
+              <a:t> </a:t>
+            </a:r>
+            <a:r>
+              <a:rPr lang="en-US" dirty="0" err="1"/>
+              <a:t>en</a:t>
+            </a:r>
+            <a:r>
+              <a:rPr lang="en-US" dirty="0"/>
+              <a:t> highlight&lt;/div&gt;</a:t>
+            </a:r>
+            <a:endParaRPr lang="fr-FR" dirty="0" smtClean="0"/>
+          </a:p>
+          <a:p>
+            <a:pPr marL="457200" lvl="1" indent="0">
+              <a:buNone/>
+            </a:pPr>
+            <a:r>
               <a:rPr lang="fr-FR" dirty="0"/>
-              <a:t>&lt;/</a:t>
-            </a:r>
-            <a:r>
-              <a:rPr lang="fr-FR" dirty="0" err="1"/>
-              <a:t>ng-template</a:t>
-            </a:r>
-            <a:r>
-              <a:rPr lang="fr-FR" dirty="0"/>
-              <a:t>&gt;</a:t>
-            </a:r>
-            <a:endParaRPr lang="fr-FR" dirty="0"/>
+              <a:t>	</a:t>
+            </a:r>
+            <a:endParaRPr lang="fr-FR" dirty="0" smtClean="0"/>
           </a:p>
         </p:txBody>
       </p:sp>
     </p:spTree>
     <p:extLst>
       <p:ext uri="{BB962C8B-B14F-4D97-AF65-F5344CB8AC3E}">
-        <p14:creationId xmlns:p14="http://schemas.microsoft.com/office/powerpoint/2010/main" val="4219665326"/>
+        <p14:creationId xmlns:p14="http://schemas.microsoft.com/office/powerpoint/2010/main" val="3990031671"/>
       </p:ext>
     </p:extLst>
   </p:cSld>
@@ -5842,6 +5870,227 @@
           <a:p>
             <a:r>
               <a:rPr lang="fr-FR" dirty="0" smtClean="0"/>
+              <a:t>Directives structurelles</a:t>
+            </a:r>
+            <a:endParaRPr lang="fr-FR" dirty="0"/>
+          </a:p>
+        </p:txBody>
+      </p:sp>
+      <p:sp>
+        <p:nvSpPr>
+          <p:cNvPr id="3" name="Espace réservé du contenu 2"/>
+          <p:cNvSpPr>
+            <a:spLocks noGrp="1"/>
+          </p:cNvSpPr>
+          <p:nvPr>
+            <p:ph idx="1"/>
+          </p:nvPr>
+        </p:nvSpPr>
+        <p:spPr/>
+        <p:txBody>
+          <a:bodyPr/>
+          <a:lstStyle/>
+          <a:p>
+            <a:r>
+              <a:rPr lang="fr-FR" dirty="0" smtClean="0"/>
+              <a:t>Les directives structurelles sont préfixées par *</a:t>
+            </a:r>
+          </a:p>
+          <a:p>
+            <a:pPr lvl="1"/>
+            <a:r>
+              <a:rPr lang="fr-FR" dirty="0" smtClean="0"/>
+              <a:t>Signifie qu'elle modifie le DOM</a:t>
+            </a:r>
+          </a:p>
+          <a:p>
+            <a:pPr lvl="1"/>
+            <a:r>
+              <a:rPr lang="fr-FR" dirty="0" smtClean="0"/>
+              <a:t>Par exemple *</a:t>
+            </a:r>
+            <a:r>
+              <a:rPr lang="fr-FR" dirty="0" err="1" smtClean="0"/>
+              <a:t>ngIf</a:t>
+            </a:r>
+            <a:endParaRPr lang="fr-FR" dirty="0" smtClean="0"/>
+          </a:p>
+          <a:p>
+            <a:r>
+              <a:rPr lang="fr-FR" dirty="0"/>
+              <a:t>L'astérisque est "sucre syntaxique" pour quelque chose d'un peu plus </a:t>
+            </a:r>
+            <a:r>
+              <a:rPr lang="fr-FR" dirty="0" smtClean="0"/>
+              <a:t>compliqué</a:t>
+            </a:r>
+          </a:p>
+          <a:p>
+            <a:pPr lvl="1"/>
+            <a:r>
+              <a:rPr lang="fr-FR" dirty="0" smtClean="0"/>
+              <a:t>En </a:t>
+            </a:r>
+            <a:r>
+              <a:rPr lang="fr-FR" dirty="0"/>
+              <a:t>interne, </a:t>
+            </a:r>
+            <a:r>
+              <a:rPr lang="fr-FR" dirty="0" err="1"/>
+              <a:t>Angular</a:t>
+            </a:r>
+            <a:r>
+              <a:rPr lang="fr-FR" dirty="0"/>
+              <a:t> traduit l' attribut * </a:t>
+            </a:r>
+            <a:r>
+              <a:rPr lang="fr-FR" dirty="0" err="1"/>
+              <a:t>ngIf</a:t>
+            </a:r>
+            <a:r>
+              <a:rPr lang="fr-FR" dirty="0"/>
+              <a:t> en un élément &lt;</a:t>
+            </a:r>
+            <a:r>
+              <a:rPr lang="fr-FR" dirty="0" err="1"/>
+              <a:t>ng-template</a:t>
+            </a:r>
+            <a:r>
+              <a:rPr lang="fr-FR" dirty="0"/>
+              <a:t>&gt; , enroulé autour de l'élément host, comme </a:t>
+            </a:r>
+            <a:r>
+              <a:rPr lang="fr-FR" dirty="0" smtClean="0"/>
+              <a:t>ceci</a:t>
+            </a:r>
+          </a:p>
+          <a:p>
+            <a:pPr marL="457200" lvl="1" indent="0">
+              <a:buNone/>
+            </a:pPr>
+            <a:r>
+              <a:rPr lang="fr-FR" dirty="0" smtClean="0"/>
+              <a:t>&lt;</a:t>
+            </a:r>
+            <a:r>
+              <a:rPr lang="fr-FR" dirty="0" err="1" smtClean="0"/>
+              <a:t>ng-template</a:t>
+            </a:r>
+            <a:r>
+              <a:rPr lang="fr-FR" dirty="0" smtClean="0"/>
+              <a:t> </a:t>
+            </a:r>
+            <a:r>
+              <a:rPr lang="fr-FR" dirty="0"/>
+              <a:t>[</a:t>
+            </a:r>
+            <a:r>
+              <a:rPr lang="fr-FR" dirty="0" err="1"/>
+              <a:t>ngIf</a:t>
+            </a:r>
+            <a:r>
+              <a:rPr lang="fr-FR" dirty="0"/>
+              <a:t>]="</a:t>
+            </a:r>
+            <a:r>
+              <a:rPr lang="fr-FR" dirty="0" err="1"/>
+              <a:t>hero</a:t>
+            </a:r>
+            <a:r>
+              <a:rPr lang="fr-FR" dirty="0"/>
+              <a:t>"&gt;</a:t>
+            </a:r>
+          </a:p>
+          <a:p>
+            <a:pPr marL="457200" lvl="1" indent="0">
+              <a:buNone/>
+            </a:pPr>
+            <a:r>
+              <a:rPr lang="fr-FR" dirty="0"/>
+              <a:t>  &lt;div class="</a:t>
+            </a:r>
+            <a:r>
+              <a:rPr lang="fr-FR" dirty="0" err="1"/>
+              <a:t>name</a:t>
+            </a:r>
+            <a:r>
+              <a:rPr lang="fr-FR" dirty="0"/>
+              <a:t>"&gt;{{hero.name}}&lt;/div&gt;</a:t>
+            </a:r>
+          </a:p>
+          <a:p>
+            <a:pPr marL="457200" lvl="1" indent="0">
+              <a:buNone/>
+            </a:pPr>
+            <a:r>
+              <a:rPr lang="fr-FR" dirty="0"/>
+              <a:t>&lt;/</a:t>
+            </a:r>
+            <a:r>
+              <a:rPr lang="fr-FR" dirty="0" err="1"/>
+              <a:t>ng-template</a:t>
+            </a:r>
+            <a:r>
+              <a:rPr lang="fr-FR" dirty="0"/>
+              <a:t>&gt;</a:t>
+            </a:r>
+          </a:p>
+        </p:txBody>
+      </p:sp>
+    </p:spTree>
+    <p:extLst>
+      <p:ext uri="{BB962C8B-B14F-4D97-AF65-F5344CB8AC3E}">
+        <p14:creationId xmlns:p14="http://schemas.microsoft.com/office/powerpoint/2010/main" val="4219665326"/>
+      </p:ext>
+    </p:extLst>
+  </p:cSld>
+  <p:clrMapOvr>
+    <a:masterClrMapping/>
+  </p:clrMapOvr>
+  <p:timing>
+    <p:tnLst>
+      <p:par>
+        <p:cTn id="1" dur="indefinite" restart="never" nodeType="tmRoot"/>
+      </p:par>
+    </p:tnLst>
+  </p:timing>
+</p:sld>
+</file>
+
+<file path=ppt/slides/slide21.xml><?xml version="1.0" encoding="utf-8"?>
+<p:sld xmlns:a="http://schemas.openxmlformats.org/drawingml/2006/main" xmlns:r="http://schemas.openxmlformats.org/officeDocument/2006/relationships" xmlns:p="http://schemas.openxmlformats.org/presentationml/2006/main">
+  <p:cSld>
+    <p:spTree>
+      <p:nvGrpSpPr>
+        <p:cNvPr id="1" name=""/>
+        <p:cNvGrpSpPr/>
+        <p:nvPr/>
+      </p:nvGrpSpPr>
+      <p:grpSpPr>
+        <a:xfrm>
+          <a:off x="0" y="0"/>
+          <a:ext cx="0" cy="0"/>
+          <a:chOff x="0" y="0"/>
+          <a:chExt cx="0" cy="0"/>
+        </a:xfrm>
+      </p:grpSpPr>
+      <p:sp>
+        <p:nvSpPr>
+          <p:cNvPr id="2" name="Titre 1"/>
+          <p:cNvSpPr>
+            <a:spLocks noGrp="1"/>
+          </p:cNvSpPr>
+          <p:nvPr>
+            <p:ph type="title"/>
+          </p:nvPr>
+        </p:nvSpPr>
+        <p:spPr/>
+        <p:txBody>
+          <a:bodyPr/>
+          <a:lstStyle/>
+          <a:p>
+            <a:r>
+              <a:rPr lang="fr-FR" dirty="0" smtClean="0"/>
               <a:t>Ecrire une directive structurelle</a:t>
             </a:r>
             <a:endParaRPr lang="fr-FR" dirty="0"/>
@@ -5957,7 +6206,7 @@
 </p:sld>
 </file>
 
-<file path=ppt/slides/slide21.xml><?xml version="1.0" encoding="utf-8"?>
+<file path=ppt/slides/slide22.xml><?xml version="1.0" encoding="utf-8"?>
 <p:sld xmlns:a="http://schemas.openxmlformats.org/drawingml/2006/main" xmlns:r="http://schemas.openxmlformats.org/officeDocument/2006/relationships" xmlns:p="http://schemas.openxmlformats.org/presentationml/2006/main">
   <p:cSld>
     <p:spTree>
@@ -6179,7 +6428,7 @@
 </p:sld>
 </file>
 
-<file path=ppt/slides/slide22.xml><?xml version="1.0" encoding="utf-8"?>
+<file path=ppt/slides/slide23.xml><?xml version="1.0" encoding="utf-8"?>
 <p:sld xmlns:a="http://schemas.openxmlformats.org/drawingml/2006/main" xmlns:r="http://schemas.openxmlformats.org/officeDocument/2006/relationships" xmlns:p="http://schemas.openxmlformats.org/presentationml/2006/main">
   <p:cSld>
     <p:spTree>

--- a/PPT/Angular09-Directives.pptx
+++ b/PPT/Angular09-Directives.pptx
@@ -5,10 +5,10 @@
     <p:sldMasterId id="2147483653" r:id="rId1"/>
   </p:sldMasterIdLst>
   <p:notesMasterIdLst>
-    <p:notesMasterId r:id="rId25"/>
+    <p:notesMasterId r:id="rId26"/>
   </p:notesMasterIdLst>
   <p:handoutMasterIdLst>
-    <p:handoutMasterId r:id="rId26"/>
+    <p:handoutMasterId r:id="rId27"/>
   </p:handoutMasterIdLst>
   <p:sldIdLst>
     <p:sldId id="264" r:id="rId2"/>
@@ -24,16 +24,17 @@
     <p:sldId id="271" r:id="rId12"/>
     <p:sldId id="272" r:id="rId13"/>
     <p:sldId id="286" r:id="rId14"/>
-    <p:sldId id="273" r:id="rId15"/>
-    <p:sldId id="285" r:id="rId16"/>
-    <p:sldId id="277" r:id="rId17"/>
-    <p:sldId id="278" r:id="rId18"/>
-    <p:sldId id="279" r:id="rId19"/>
-    <p:sldId id="281" r:id="rId20"/>
-    <p:sldId id="280" r:id="rId21"/>
-    <p:sldId id="282" r:id="rId22"/>
-    <p:sldId id="283" r:id="rId23"/>
-    <p:sldId id="284" r:id="rId24"/>
+    <p:sldId id="287" r:id="rId15"/>
+    <p:sldId id="273" r:id="rId16"/>
+    <p:sldId id="285" r:id="rId17"/>
+    <p:sldId id="277" r:id="rId18"/>
+    <p:sldId id="278" r:id="rId19"/>
+    <p:sldId id="279" r:id="rId20"/>
+    <p:sldId id="281" r:id="rId21"/>
+    <p:sldId id="280" r:id="rId22"/>
+    <p:sldId id="282" r:id="rId23"/>
+    <p:sldId id="283" r:id="rId24"/>
+    <p:sldId id="284" r:id="rId25"/>
   </p:sldIdLst>
   <p:sldSz cx="9144000" cy="6858000" type="screen4x3"/>
   <p:notesSz cx="6648450" cy="9782175"/>
@@ -4226,15 +4227,7 @@
             </a:pPr>
             <a:r>
               <a:rPr lang="en-US" dirty="0" smtClean="0"/>
-              <a:t>&lt;</a:t>
-            </a:r>
-            <a:r>
-              <a:rPr lang="en-US" dirty="0" smtClean="0"/>
-              <a:t>div</a:t>
-            </a:r>
-            <a:r>
-              <a:rPr lang="en-US" dirty="0" smtClean="0"/>
-              <a:t> </a:t>
+              <a:t>&lt;div </a:t>
             </a:r>
             <a:r>
               <a:rPr lang="en-US" dirty="0"/>
@@ -4426,15 +4419,7 @@
             </a:pPr>
             <a:r>
               <a:rPr lang="en-US" dirty="0" smtClean="0"/>
-              <a:t>&lt;</a:t>
-            </a:r>
-            <a:r>
-              <a:rPr lang="en-US" dirty="0" smtClean="0"/>
-              <a:t>div</a:t>
-            </a:r>
-            <a:r>
-              <a:rPr lang="en-US" dirty="0" smtClean="0"/>
-              <a:t> </a:t>
+              <a:t>&lt;div </a:t>
             </a:r>
             <a:r>
               <a:rPr lang="en-US" dirty="0"/>
@@ -4582,53 +4567,49 @@
           <a:p>
             <a:r>
               <a:rPr lang="fr-FR" dirty="0" smtClean="0"/>
-              <a:t>Une variable est alors créée qui référence l'élément</a:t>
+              <a:t>Une variable est alors créée qui référence l'élément DOM</a:t>
             </a:r>
           </a:p>
           <a:p>
             <a:pPr lvl="1"/>
             <a:r>
-              <a:rPr lang="fr-FR" dirty="0" smtClean="0"/>
-              <a:t>&lt;input #</a:t>
-            </a:r>
-            <a:r>
-              <a:rPr lang="fr-FR" dirty="0" err="1" smtClean="0"/>
-              <a:t>myInput</a:t>
-            </a:r>
-            <a:r>
-              <a:rPr lang="fr-FR" dirty="0" smtClean="0"/>
-              <a:t> </a:t>
-            </a:r>
-            <a:r>
-              <a:rPr lang="fr-FR" dirty="0" err="1" smtClean="0"/>
-              <a:t>placeholder</a:t>
-            </a:r>
-            <a:r>
-              <a:rPr lang="fr-FR" dirty="0" smtClean="0"/>
-              <a:t>="</a:t>
-            </a:r>
-            <a:r>
-              <a:rPr lang="fr-FR" dirty="0" err="1" smtClean="0"/>
-              <a:t>hero</a:t>
-            </a:r>
-            <a:r>
-              <a:rPr lang="fr-FR" dirty="0" smtClean="0"/>
-              <a:t>"&gt;</a:t>
+              <a:rPr lang="en-US" dirty="0" smtClean="0"/>
+              <a:t>&lt;</a:t>
+            </a:r>
+            <a:r>
+              <a:rPr lang="en-US" dirty="0"/>
+              <a:t>input #phone placeholder="phone number"&gt;</a:t>
             </a:r>
           </a:p>
           <a:p>
             <a:pPr lvl="1"/>
             <a:r>
-              <a:rPr lang="fr-FR" dirty="0" smtClean="0"/>
-              <a:t>Dans cet exemple la variable </a:t>
-            </a:r>
-            <a:r>
-              <a:rPr lang="fr-FR" dirty="0" err="1" smtClean="0"/>
-              <a:t>heroForm</a:t>
-            </a:r>
-            <a:r>
-              <a:rPr lang="fr-FR" dirty="0" smtClean="0"/>
-              <a:t> référence l'élément input du DOM</a:t>
+              <a:rPr lang="en-US" dirty="0" smtClean="0"/>
+              <a:t>&lt;</a:t>
+            </a:r>
+            <a:r>
+              <a:rPr lang="en-US" dirty="0"/>
+              <a:t>button (click)="</a:t>
+            </a:r>
+            <a:r>
+              <a:rPr lang="en-US" dirty="0" err="1"/>
+              <a:t>callPhone</a:t>
+            </a:r>
+            <a:r>
+              <a:rPr lang="en-US" dirty="0"/>
+              <a:t>(</a:t>
+            </a:r>
+            <a:r>
+              <a:rPr lang="en-US" dirty="0" err="1"/>
+              <a:t>phone.value</a:t>
+            </a:r>
+            <a:r>
+              <a:rPr lang="en-US" dirty="0"/>
+              <a:t>)"&gt;Call&lt;/button</a:t>
+            </a:r>
+            <a:r>
+              <a:rPr lang="en-US" dirty="0" smtClean="0"/>
+              <a:t>&gt;</a:t>
             </a:r>
           </a:p>
           <a:p>
@@ -4645,87 +4626,6 @@
               <a:rPr lang="fr-FR" dirty="0" smtClean="0"/>
               <a:t> comme variable globale</a:t>
             </a:r>
-          </a:p>
-          <a:p>
-            <a:r>
-              <a:rPr lang="fr-FR" dirty="0" smtClean="0"/>
-              <a:t>Il est possible d'assigner une variable # à une directive</a:t>
-            </a:r>
-          </a:p>
-          <a:p>
-            <a:pPr lvl="1"/>
-            <a:r>
-              <a:rPr lang="fr-FR" dirty="0"/>
-              <a:t>&lt;</a:t>
-            </a:r>
-            <a:r>
-              <a:rPr lang="fr-FR" dirty="0" err="1"/>
-              <a:t>form</a:t>
-            </a:r>
-            <a:r>
-              <a:rPr lang="fr-FR" dirty="0"/>
-              <a:t> #</a:t>
-            </a:r>
-            <a:r>
-              <a:rPr lang="fr-FR" dirty="0" err="1" smtClean="0"/>
-              <a:t>heroForm</a:t>
-            </a:r>
-            <a:r>
-              <a:rPr lang="fr-FR" dirty="0" smtClean="0"/>
-              <a:t>=</a:t>
-            </a:r>
-            <a:r>
-              <a:rPr lang="fr-FR" dirty="0" err="1" smtClean="0"/>
-              <a:t>ngForm</a:t>
-            </a:r>
-            <a:r>
-              <a:rPr lang="fr-FR" dirty="0" smtClean="0"/>
-              <a:t> </a:t>
-            </a:r>
-            <a:r>
-              <a:rPr lang="fr-FR" dirty="0"/>
-              <a:t>(</a:t>
-            </a:r>
-            <a:r>
-              <a:rPr lang="fr-FR" dirty="0" err="1"/>
-              <a:t>ngSubmit</a:t>
-            </a:r>
-            <a:r>
-              <a:rPr lang="fr-FR" dirty="0"/>
-              <a:t>)="</a:t>
-            </a:r>
-            <a:r>
-              <a:rPr lang="fr-FR" dirty="0" err="1"/>
-              <a:t>onSubmit</a:t>
-            </a:r>
-            <a:r>
-              <a:rPr lang="fr-FR" dirty="0"/>
-              <a:t>(</a:t>
-            </a:r>
-            <a:r>
-              <a:rPr lang="fr-FR" dirty="0" err="1"/>
-              <a:t>heroForm</a:t>
-            </a:r>
-            <a:r>
-              <a:rPr lang="fr-FR" dirty="0" smtClean="0"/>
-              <a:t>)"&gt;</a:t>
-            </a:r>
-          </a:p>
-          <a:p>
-            <a:pPr lvl="1"/>
-            <a:r>
-              <a:rPr lang="fr-FR" dirty="0" err="1" smtClean="0"/>
-              <a:t>heroForm</a:t>
-            </a:r>
-            <a:r>
-              <a:rPr lang="fr-FR" dirty="0" smtClean="0"/>
-              <a:t> a été surchargée par la directive </a:t>
-            </a:r>
-            <a:r>
-              <a:rPr lang="fr-FR" dirty="0" err="1" smtClean="0"/>
-              <a:t>ngForm</a:t>
-            </a:r>
-            <a:endParaRPr lang="fr-FR" dirty="0" smtClean="0"/>
           </a:p>
         </p:txBody>
       </p:sp>
@@ -4739,6 +4639,13 @@
   <p:clrMapOvr>
     <a:masterClrMapping/>
   </p:clrMapOvr>
+  <p:timing>
+    <p:tnLst>
+      <p:par>
+        <p:cTn id="1" dur="indefinite" restart="never" nodeType="tmRoot"/>
+      </p:par>
+    </p:tnLst>
+  </p:timing>
 </p:sld>
 </file>
 
@@ -4776,7 +4683,7 @@
           <a:p>
             <a:r>
               <a:rPr lang="fr-FR" dirty="0" smtClean="0"/>
-              <a:t>Formulaires</a:t>
+              <a:t>Template Reference #</a:t>
             </a:r>
             <a:endParaRPr lang="fr-FR" dirty="0"/>
           </a:p>
@@ -4799,20 +4706,13 @@
           <a:p>
             <a:r>
               <a:rPr lang="fr-FR" dirty="0" smtClean="0"/>
-              <a:t>Les formulaires possèdent la directive </a:t>
-            </a:r>
-            <a:r>
-              <a:rPr lang="fr-FR" dirty="0" err="1" smtClean="0"/>
-              <a:t>ngSubmit</a:t>
-            </a:r>
-            <a:endParaRPr lang="fr-FR" dirty="0" smtClean="0"/>
-          </a:p>
-          <a:p>
-            <a:pPr marL="457200" lvl="1" indent="0">
-              <a:buNone/>
-            </a:pPr>
-            <a:r>
-              <a:rPr lang="fr-FR" dirty="0" smtClean="0"/>
+              <a:t>Il est possible d'assigner une variable # à une directive</a:t>
+            </a:r>
+          </a:p>
+          <a:p>
+            <a:pPr lvl="1"/>
+            <a:r>
+              <a:rPr lang="fr-FR" dirty="0"/>
               <a:t>&lt;</a:t>
             </a:r>
             <a:r>
@@ -4824,140 +4724,83 @@
               <a:t> #</a:t>
             </a:r>
             <a:r>
+              <a:rPr lang="fr-FR" dirty="0" err="1" smtClean="0"/>
+              <a:t>heroForm</a:t>
+            </a:r>
+            <a:r>
+              <a:rPr lang="fr-FR" dirty="0" smtClean="0"/>
+              <a:t>=</a:t>
+            </a:r>
+            <a:r>
+              <a:rPr lang="fr-FR" dirty="0" err="1" smtClean="0"/>
+              <a:t>ngForm</a:t>
+            </a:r>
+            <a:r>
+              <a:rPr lang="fr-FR" dirty="0" smtClean="0"/>
+              <a:t> </a:t>
+            </a:r>
+            <a:r>
+              <a:rPr lang="fr-FR" dirty="0"/>
+              <a:t>(</a:t>
+            </a:r>
+            <a:r>
+              <a:rPr lang="fr-FR" dirty="0" err="1"/>
+              <a:t>ngSubmit</a:t>
+            </a:r>
+            <a:r>
+              <a:rPr lang="fr-FR" dirty="0"/>
+              <a:t>)="</a:t>
+            </a:r>
+            <a:r>
+              <a:rPr lang="fr-FR" dirty="0" err="1"/>
+              <a:t>onSubmit</a:t>
+            </a:r>
+            <a:r>
+              <a:rPr lang="fr-FR" dirty="0"/>
+              <a:t>(</a:t>
+            </a:r>
+            <a:r>
               <a:rPr lang="fr-FR" dirty="0" err="1"/>
               <a:t>heroForm</a:t>
             </a:r>
             <a:r>
-              <a:rPr lang="fr-FR" dirty="0"/>
-              <a:t> (</a:t>
-            </a:r>
-            <a:r>
-              <a:rPr lang="fr-FR" dirty="0" err="1"/>
-              <a:t>ngSubmit</a:t>
-            </a:r>
-            <a:r>
-              <a:rPr lang="fr-FR" dirty="0"/>
-              <a:t>)="</a:t>
-            </a:r>
-            <a:r>
-              <a:rPr lang="fr-FR" dirty="0" err="1"/>
-              <a:t>onSubmit</a:t>
-            </a:r>
-            <a:r>
-              <a:rPr lang="fr-FR" dirty="0"/>
-              <a:t>(</a:t>
-            </a:r>
-            <a:r>
-              <a:rPr lang="fr-FR" dirty="0" err="1"/>
+              <a:rPr lang="fr-FR" dirty="0" smtClean="0"/>
+              <a:t>)"&gt;</a:t>
+            </a:r>
+          </a:p>
+          <a:p>
+            <a:pPr lvl="1"/>
+            <a:r>
+              <a:rPr lang="fr-FR" dirty="0" err="1" smtClean="0"/>
               <a:t>heroForm</a:t>
             </a:r>
             <a:r>
-              <a:rPr lang="fr-FR" dirty="0"/>
-              <a:t>)"&gt; ... &lt;/</a:t>
-            </a:r>
-            <a:r>
-              <a:rPr lang="fr-FR" dirty="0" err="1"/>
-              <a:t>form</a:t>
-            </a:r>
-            <a:r>
-              <a:rPr lang="fr-FR" dirty="0" smtClean="0"/>
-              <a:t>&gt;</a:t>
-            </a:r>
-          </a:p>
-          <a:p>
-            <a:r>
-              <a:rPr lang="fr-FR" dirty="0" smtClean="0"/>
-              <a:t>Utilisation de </a:t>
+              <a:rPr lang="fr-FR" dirty="0" smtClean="0"/>
+              <a:t> a été surchargée par la directive </a:t>
             </a:r>
             <a:r>
               <a:rPr lang="fr-FR" dirty="0" err="1" smtClean="0"/>
-              <a:t>ngModel</a:t>
+              <a:t>ngForm</a:t>
             </a:r>
             <a:endParaRPr lang="fr-FR" dirty="0" smtClean="0"/>
           </a:p>
           <a:p>
-            <a:pPr lvl="1"/>
-            <a:r>
-              <a:rPr lang="fr-FR" dirty="0" smtClean="0"/>
-              <a:t>[(</a:t>
-            </a:r>
-            <a:r>
-              <a:rPr lang="fr-FR" dirty="0" err="1" smtClean="0"/>
-              <a:t>ngModel</a:t>
-            </a:r>
-            <a:r>
-              <a:rPr lang="fr-FR" dirty="0" smtClean="0"/>
-              <a:t>)]</a:t>
-            </a:r>
-          </a:p>
-          <a:p>
-            <a:r>
-              <a:rPr lang="fr-FR" dirty="0" smtClean="0"/>
-              <a:t>Il existe 2 autres directives </a:t>
-            </a:r>
-            <a:r>
-              <a:rPr lang="fr-FR" dirty="0" err="1" smtClean="0"/>
-              <a:t>two-way</a:t>
-            </a:r>
-            <a:r>
-              <a:rPr lang="fr-FR" dirty="0" smtClean="0"/>
-              <a:t> data binding</a:t>
-            </a:r>
-          </a:p>
-          <a:p>
-            <a:pPr lvl="1"/>
-            <a:r>
-              <a:rPr lang="fr-FR" dirty="0" err="1" smtClean="0"/>
-              <a:t>ngClass</a:t>
+            <a:r>
+              <a:rPr lang="fr-FR" dirty="0" smtClean="0"/>
+              <a:t>Attention contrairement à let, # est une </a:t>
+            </a:r>
+            <a:r>
+              <a:rPr lang="fr-FR" smtClean="0"/>
+              <a:t>variable globale (var)</a:t>
             </a:r>
             <a:endParaRPr lang="fr-FR" dirty="0" smtClean="0"/>
-          </a:p>
-          <a:p>
-            <a:pPr lvl="1"/>
-            <a:r>
-              <a:rPr lang="fr-FR" dirty="0" err="1" smtClean="0"/>
-              <a:t>ngStyle</a:t>
-            </a:r>
-            <a:endParaRPr lang="fr-FR" dirty="0" smtClean="0"/>
-          </a:p>
-          <a:p>
-            <a:pPr lvl="1"/>
-            <a:r>
-              <a:rPr lang="en-US" dirty="0"/>
-              <a:t>&lt;div [</a:t>
-            </a:r>
-            <a:r>
-              <a:rPr lang="en-US" dirty="0" err="1"/>
-              <a:t>ngClass</a:t>
-            </a:r>
-            <a:r>
-              <a:rPr lang="en-US" dirty="0"/>
-              <a:t>]="</a:t>
-            </a:r>
-            <a:r>
-              <a:rPr lang="en-US" dirty="0" err="1"/>
-              <a:t>currentClasses</a:t>
-            </a:r>
-            <a:r>
-              <a:rPr lang="en-US" dirty="0"/>
-              <a:t>"&gt;This div is initially </a:t>
-            </a:r>
-            <a:r>
-              <a:rPr lang="en-US" dirty="0" err="1"/>
-              <a:t>saveable</a:t>
-            </a:r>
-            <a:r>
-              <a:rPr lang="en-US" dirty="0"/>
-              <a:t>, unchanged, and special&lt;/div&gt;</a:t>
-            </a:r>
-            <a:endParaRPr lang="fr-FR" dirty="0"/>
           </a:p>
         </p:txBody>
       </p:sp>
     </p:spTree>
     <p:extLst>
       <p:ext uri="{BB962C8B-B14F-4D97-AF65-F5344CB8AC3E}">
-        <p14:creationId xmlns:p14="http://schemas.microsoft.com/office/powerpoint/2010/main" val="2930495281"/>
+        <p14:creationId xmlns:p14="http://schemas.microsoft.com/office/powerpoint/2010/main" val="4150389496"/>
       </p:ext>
     </p:extLst>
   </p:cSld>
@@ -5007,8 +4850,8 @@
           <a:lstStyle/>
           <a:p>
             <a:r>
-              <a:rPr lang="fr-FR" dirty="0" err="1" smtClean="0"/>
-              <a:t>ngContainer</a:t>
+              <a:rPr lang="fr-FR" dirty="0" smtClean="0"/>
+              <a:t>Formulaires</a:t>
             </a:r>
             <a:endParaRPr lang="fr-FR" dirty="0"/>
           </a:p>
@@ -5031,44 +4874,177 @@
           <a:p>
             <a:r>
               <a:rPr lang="fr-FR" dirty="0" smtClean="0"/>
-              <a:t>Permet d'effectuer un </a:t>
+              <a:t>Les formulaires possèdent la directive </a:t>
             </a:r>
             <a:r>
               <a:rPr lang="fr-FR" dirty="0" err="1" smtClean="0"/>
-              <a:t>span</a:t>
+              <a:t>ngSubmit</a:t>
+            </a:r>
+            <a:endParaRPr lang="fr-FR" dirty="0" smtClean="0"/>
+          </a:p>
+          <a:p>
+            <a:pPr marL="457200" lvl="1" indent="0">
+              <a:buNone/>
+            </a:pPr>
+            <a:r>
+              <a:rPr lang="fr-FR" dirty="0" smtClean="0"/>
+              <a:t>&lt;</a:t>
+            </a:r>
+            <a:r>
+              <a:rPr lang="fr-FR" dirty="0" err="1"/>
+              <a:t>form</a:t>
+            </a:r>
+            <a:r>
+              <a:rPr lang="fr-FR" dirty="0"/>
+              <a:t> #</a:t>
+            </a:r>
+            <a:r>
+              <a:rPr lang="fr-FR" dirty="0" err="1" smtClean="0"/>
+              <a:t>heroForm</a:t>
+            </a:r>
+            <a:r>
+              <a:rPr lang="fr-FR" dirty="0" smtClean="0"/>
+              <a:t> = </a:t>
+            </a:r>
+            <a:r>
+              <a:rPr lang="fr-FR" dirty="0" err="1" smtClean="0"/>
+              <a:t>ngForm</a:t>
+            </a:r>
+            <a:r>
+              <a:rPr lang="fr-FR" dirty="0" smtClean="0"/>
+              <a:t> </a:t>
+            </a:r>
+            <a:r>
+              <a:rPr lang="fr-FR" dirty="0"/>
+              <a:t>(</a:t>
+            </a:r>
+            <a:r>
+              <a:rPr lang="fr-FR" dirty="0" err="1"/>
+              <a:t>ngSubmit</a:t>
+            </a:r>
+            <a:r>
+              <a:rPr lang="fr-FR" dirty="0"/>
+              <a:t>)="</a:t>
+            </a:r>
+            <a:r>
+              <a:rPr lang="fr-FR" dirty="0" err="1"/>
+              <a:t>onSubmit</a:t>
+            </a:r>
+            <a:r>
+              <a:rPr lang="fr-FR" dirty="0"/>
+              <a:t>(</a:t>
+            </a:r>
+            <a:r>
+              <a:rPr lang="fr-FR" dirty="0" err="1"/>
+              <a:t>heroForm</a:t>
+            </a:r>
+            <a:r>
+              <a:rPr lang="fr-FR" dirty="0"/>
+              <a:t>)"&gt; ... &lt;/</a:t>
+            </a:r>
+            <a:r>
+              <a:rPr lang="fr-FR" dirty="0" err="1"/>
+              <a:t>form</a:t>
+            </a:r>
+            <a:r>
+              <a:rPr lang="fr-FR" dirty="0" smtClean="0"/>
+              <a:t>&gt;</a:t>
+            </a:r>
+          </a:p>
+          <a:p>
+            <a:r>
+              <a:rPr lang="fr-FR" dirty="0" smtClean="0"/>
+              <a:t>Utilisation de </a:t>
+            </a:r>
+            <a:r>
+              <a:rPr lang="fr-FR" dirty="0" err="1" smtClean="0"/>
+              <a:t>ngModel</a:t>
+            </a:r>
+            <a:endParaRPr lang="fr-FR" dirty="0" smtClean="0"/>
+          </a:p>
+          <a:p>
+            <a:pPr lvl="1"/>
+            <a:r>
+              <a:rPr lang="fr-FR" dirty="0" smtClean="0"/>
+              <a:t>[(</a:t>
+            </a:r>
+            <a:r>
+              <a:rPr lang="fr-FR" dirty="0" err="1" smtClean="0"/>
+              <a:t>ngModel</a:t>
+            </a:r>
+            <a:r>
+              <a:rPr lang="fr-FR" dirty="0" smtClean="0"/>
+              <a:t>)]</a:t>
+            </a:r>
+          </a:p>
+          <a:p>
+            <a:r>
+              <a:rPr lang="fr-FR" dirty="0" smtClean="0"/>
+              <a:t>Il existe 2 autres directives </a:t>
+            </a:r>
+            <a:r>
+              <a:rPr lang="fr-FR" dirty="0" err="1" smtClean="0"/>
+              <a:t>two-way</a:t>
+            </a:r>
+            <a:r>
+              <a:rPr lang="fr-FR" dirty="0" smtClean="0"/>
+              <a:t> data binding</a:t>
+            </a:r>
+          </a:p>
+          <a:p>
+            <a:pPr lvl="1"/>
+            <a:r>
+              <a:rPr lang="fr-FR" dirty="0" err="1" smtClean="0"/>
+              <a:t>ngClass</a:t>
+            </a:r>
+            <a:endParaRPr lang="fr-FR" dirty="0" smtClean="0"/>
+          </a:p>
+          <a:p>
+            <a:pPr lvl="1"/>
+            <a:r>
+              <a:rPr lang="fr-FR" dirty="0" err="1" smtClean="0"/>
+              <a:t>ngStyle</a:t>
+            </a:r>
+            <a:endParaRPr lang="fr-FR" dirty="0" smtClean="0"/>
+          </a:p>
+          <a:p>
+            <a:pPr lvl="1"/>
+            <a:r>
+              <a:rPr lang="en-US" dirty="0"/>
+              <a:t>&lt;div [</a:t>
+            </a:r>
+            <a:r>
+              <a:rPr lang="en-US" dirty="0" err="1"/>
+              <a:t>ngClass</a:t>
+            </a:r>
+            <a:r>
+              <a:rPr lang="en-US" dirty="0"/>
+              <a:t>]="</a:t>
+            </a:r>
+            <a:r>
+              <a:rPr lang="en-US" dirty="0" err="1"/>
+              <a:t>currentClasses</a:t>
+            </a:r>
+            <a:r>
+              <a:rPr lang="en-US" dirty="0"/>
+              <a:t>"&gt;This div is initially </a:t>
+            </a:r>
+            <a:r>
+              <a:rPr lang="en-US" dirty="0" err="1"/>
+              <a:t>saveable</a:t>
+            </a:r>
+            <a:r>
+              <a:rPr lang="en-US" dirty="0"/>
+              <a:t>, unchanged, and special&lt;/div&gt;</a:t>
             </a:r>
             <a:endParaRPr lang="fr-FR" dirty="0"/>
           </a:p>
         </p:txBody>
       </p:sp>
-      <p:pic>
-        <p:nvPicPr>
-          <p:cNvPr id="4" name="Image 3"/>
-          <p:cNvPicPr>
-            <a:picLocks noChangeAspect="1"/>
-          </p:cNvPicPr>
-          <p:nvPr/>
-        </p:nvPicPr>
-        <p:blipFill>
-          <a:blip r:embed="rId2"/>
-          <a:stretch>
-            <a:fillRect/>
-          </a:stretch>
-        </p:blipFill>
-        <p:spPr>
-          <a:xfrm>
-            <a:off x="2699792" y="2132856"/>
-            <a:ext cx="3579465" cy="3639523"/>
-          </a:xfrm>
-          <a:prstGeom prst="rect">
-            <a:avLst/>
-          </a:prstGeom>
-        </p:spPr>
-      </p:pic>
     </p:spTree>
     <p:extLst>
       <p:ext uri="{BB962C8B-B14F-4D97-AF65-F5344CB8AC3E}">
-        <p14:creationId xmlns:p14="http://schemas.microsoft.com/office/powerpoint/2010/main" val="2074579251"/>
+        <p14:creationId xmlns:p14="http://schemas.microsoft.com/office/powerpoint/2010/main" val="2930495281"/>
       </p:ext>
     </p:extLst>
   </p:cSld>
@@ -5118,8 +5094,8 @@
           <a:lstStyle/>
           <a:p>
             <a:r>
-              <a:rPr lang="fr-FR" dirty="0" smtClean="0"/>
-              <a:t>Création de directive</a:t>
+              <a:rPr lang="fr-FR" dirty="0" err="1" smtClean="0"/>
+              <a:t>ngContainer</a:t>
             </a:r>
             <a:endParaRPr lang="fr-FR" dirty="0"/>
           </a:p>
@@ -5142,58 +5118,44 @@
           <a:p>
             <a:r>
               <a:rPr lang="fr-FR" dirty="0" smtClean="0"/>
-              <a:t>Il est possible de créer soit même une directive</a:t>
-            </a:r>
-          </a:p>
-          <a:p>
-            <a:r>
-              <a:rPr lang="fr-FR" dirty="0" smtClean="0"/>
-              <a:t>Il existe 3 sortes de directives</a:t>
-            </a:r>
-          </a:p>
-          <a:p>
-            <a:pPr lvl="1"/>
-            <a:r>
-              <a:rPr lang="fr-FR" dirty="0" smtClean="0"/>
-              <a:t>Les composants qui sont des directives avec </a:t>
+              <a:t>Permet d'effectuer un </a:t>
             </a:r>
             <a:r>
               <a:rPr lang="fr-FR" dirty="0" err="1" smtClean="0"/>
-              <a:t>template</a:t>
-            </a:r>
-            <a:r>
-              <a:rPr lang="fr-FR" dirty="0" smtClean="0"/>
-              <a:t> HTML</a:t>
-            </a:r>
-          </a:p>
-          <a:p>
-            <a:pPr lvl="2"/>
-            <a:r>
-              <a:rPr lang="fr-FR" dirty="0" smtClean="0"/>
-              <a:t>Voir chapitre suivant</a:t>
-            </a:r>
-          </a:p>
-          <a:p>
-            <a:pPr lvl="1"/>
-            <a:r>
-              <a:rPr lang="fr-FR" dirty="0" smtClean="0"/>
-              <a:t>Les directives structurelles qui modifient le DOM</a:t>
-            </a:r>
-          </a:p>
-          <a:p>
-            <a:pPr lvl="1"/>
-            <a:r>
-              <a:rPr lang="fr-FR" dirty="0" smtClean="0"/>
-              <a:t>Les directives d'attribut qui apportent une modification à l'élément hôte</a:t>
+              <a:t>span</a:t>
             </a:r>
             <a:endParaRPr lang="fr-FR" dirty="0"/>
           </a:p>
         </p:txBody>
       </p:sp>
+      <p:pic>
+        <p:nvPicPr>
+          <p:cNvPr id="4" name="Image 3"/>
+          <p:cNvPicPr>
+            <a:picLocks noChangeAspect="1"/>
+          </p:cNvPicPr>
+          <p:nvPr/>
+        </p:nvPicPr>
+        <p:blipFill>
+          <a:blip r:embed="rId2"/>
+          <a:stretch>
+            <a:fillRect/>
+          </a:stretch>
+        </p:blipFill>
+        <p:spPr>
+          <a:xfrm>
+            <a:off x="2699792" y="2132856"/>
+            <a:ext cx="3579465" cy="3639523"/>
+          </a:xfrm>
+          <a:prstGeom prst="rect">
+            <a:avLst/>
+          </a:prstGeom>
+        </p:spPr>
+      </p:pic>
     </p:spTree>
     <p:extLst>
       <p:ext uri="{BB962C8B-B14F-4D97-AF65-F5344CB8AC3E}">
-        <p14:creationId xmlns:p14="http://schemas.microsoft.com/office/powerpoint/2010/main" val="352958607"/>
+        <p14:creationId xmlns:p14="http://schemas.microsoft.com/office/powerpoint/2010/main" val="2074579251"/>
       </p:ext>
     </p:extLst>
   </p:cSld>
@@ -5244,7 +5206,7 @@
           <a:p>
             <a:r>
               <a:rPr lang="fr-FR" dirty="0" smtClean="0"/>
-              <a:t>Création d'une directive attribut</a:t>
+              <a:t>Création de directive</a:t>
             </a:r>
             <a:endParaRPr lang="fr-FR" dirty="0"/>
           </a:p>
@@ -5267,133 +5229,58 @@
           <a:p>
             <a:r>
               <a:rPr lang="fr-FR" dirty="0" smtClean="0"/>
-              <a:t>Afin d'effectuer le code suivant</a:t>
+              <a:t>Il est possible de créer soit même une directive</a:t>
+            </a:r>
+          </a:p>
+          <a:p>
+            <a:r>
+              <a:rPr lang="fr-FR" dirty="0" smtClean="0"/>
+              <a:t>Il existe 3 sortes de directives</a:t>
             </a:r>
           </a:p>
           <a:p>
             <a:pPr lvl="1"/>
             <a:r>
-              <a:rPr lang="fr-FR" dirty="0"/>
-              <a:t>&lt;p </a:t>
-            </a:r>
-            <a:r>
-              <a:rPr lang="fr-FR" dirty="0" err="1"/>
-              <a:t>appHighlight</a:t>
-            </a:r>
-            <a:r>
-              <a:rPr lang="fr-FR" dirty="0"/>
-              <a:t>&gt;</a:t>
-            </a:r>
-            <a:r>
-              <a:rPr lang="fr-FR" dirty="0" err="1"/>
-              <a:t>Highlight</a:t>
-            </a:r>
-            <a:r>
-              <a:rPr lang="fr-FR" dirty="0"/>
-              <a:t> me!&lt;/p</a:t>
-            </a:r>
-            <a:r>
-              <a:rPr lang="fr-FR" dirty="0" smtClean="0"/>
-              <a:t>&gt;</a:t>
+              <a:rPr lang="fr-FR" dirty="0" smtClean="0"/>
+              <a:t>Les composants qui sont des directives avec </a:t>
+            </a:r>
+            <a:r>
+              <a:rPr lang="fr-FR" dirty="0" err="1" smtClean="0"/>
+              <a:t>template</a:t>
+            </a:r>
+            <a:r>
+              <a:rPr lang="fr-FR" dirty="0" smtClean="0"/>
+              <a:t> HTML</a:t>
+            </a:r>
+          </a:p>
+          <a:p>
+            <a:pPr lvl="2"/>
+            <a:r>
+              <a:rPr lang="fr-FR" dirty="0" smtClean="0"/>
+              <a:t>Voir chapitre suivant</a:t>
             </a:r>
           </a:p>
           <a:p>
             <a:pPr lvl="1"/>
             <a:r>
               <a:rPr lang="fr-FR" dirty="0" smtClean="0"/>
-              <a:t>Il faut générer la directive</a:t>
+              <a:t>Les directives structurelles qui modifient le DOM</a:t>
             </a:r>
           </a:p>
           <a:p>
             <a:pPr lvl="1"/>
             <a:r>
-              <a:rPr lang="fr-FR" dirty="0" err="1"/>
-              <a:t>ng</a:t>
-            </a:r>
-            <a:r>
-              <a:rPr lang="fr-FR" dirty="0"/>
-              <a:t> </a:t>
-            </a:r>
-            <a:r>
-              <a:rPr lang="fr-FR" dirty="0" err="1"/>
-              <a:t>generate</a:t>
-            </a:r>
-            <a:r>
-              <a:rPr lang="fr-FR" dirty="0"/>
-              <a:t> directive </a:t>
-            </a:r>
-            <a:r>
-              <a:rPr lang="fr-FR" dirty="0" err="1" smtClean="0"/>
-              <a:t>highlight</a:t>
-            </a:r>
-            <a:endParaRPr lang="fr-FR" dirty="0" smtClean="0"/>
-          </a:p>
-          <a:p>
-            <a:pPr lvl="1"/>
-            <a:r>
-              <a:rPr lang="fr-FR" dirty="0" err="1"/>
-              <a:t>ElementRef</a:t>
-            </a:r>
-            <a:r>
-              <a:rPr lang="fr-FR" dirty="0"/>
-              <a:t> est injecté dans le constructeur par </a:t>
-            </a:r>
-            <a:r>
-              <a:rPr lang="fr-FR" dirty="0" err="1"/>
-              <a:t>Angular</a:t>
-            </a:r>
-            <a:r>
-              <a:rPr lang="fr-FR" dirty="0"/>
-              <a:t> afin de récupérer l'</a:t>
-            </a:r>
-            <a:r>
-              <a:rPr lang="fr-FR" dirty="0" err="1"/>
-              <a:t>élement</a:t>
-            </a:r>
-            <a:r>
-              <a:rPr lang="fr-FR" dirty="0"/>
-              <a:t> du DOM dans notre classe</a:t>
-            </a:r>
-            <a:endParaRPr lang="fr-FR" dirty="0" smtClean="0"/>
-          </a:p>
-          <a:p>
-            <a:pPr lvl="1"/>
-            <a:endParaRPr lang="fr-FR" dirty="0" smtClean="0"/>
-          </a:p>
-          <a:p>
-            <a:pPr lvl="1"/>
+              <a:rPr lang="fr-FR" dirty="0" smtClean="0"/>
+              <a:t>Les directives d'attribut qui apportent une modification à l'élément hôte</a:t>
+            </a:r>
             <a:endParaRPr lang="fr-FR" dirty="0"/>
           </a:p>
         </p:txBody>
       </p:sp>
-      <p:pic>
-        <p:nvPicPr>
-          <p:cNvPr id="4" name="Image 3"/>
-          <p:cNvPicPr>
-            <a:picLocks noChangeAspect="1"/>
-          </p:cNvPicPr>
-          <p:nvPr/>
-        </p:nvPicPr>
-        <p:blipFill>
-          <a:blip r:embed="rId2"/>
-          <a:stretch>
-            <a:fillRect/>
-          </a:stretch>
-        </p:blipFill>
-        <p:spPr>
-          <a:xfrm>
-            <a:off x="2195736" y="4008208"/>
-            <a:ext cx="4356959" cy="2701695"/>
-          </a:xfrm>
-          <a:prstGeom prst="rect">
-            <a:avLst/>
-          </a:prstGeom>
-        </p:spPr>
-      </p:pic>
     </p:spTree>
     <p:extLst>
       <p:ext uri="{BB962C8B-B14F-4D97-AF65-F5344CB8AC3E}">
-        <p14:creationId xmlns:p14="http://schemas.microsoft.com/office/powerpoint/2010/main" val="4154879116"/>
+        <p14:creationId xmlns:p14="http://schemas.microsoft.com/office/powerpoint/2010/main" val="352958607"/>
       </p:ext>
     </p:extLst>
   </p:cSld>
@@ -5444,7 +5331,7 @@
           <a:p>
             <a:r>
               <a:rPr lang="fr-FR" dirty="0" smtClean="0"/>
-              <a:t>Directive avec interaction</a:t>
+              <a:t>Création d'une directive attribut</a:t>
             </a:r>
             <a:endParaRPr lang="fr-FR" dirty="0"/>
           </a:p>
@@ -5460,40 +5347,132 @@
             <p:ph idx="1"/>
           </p:nvPr>
         </p:nvSpPr>
-        <p:spPr>
-          <a:xfrm>
-            <a:off x="179513" y="1412776"/>
-            <a:ext cx="3456384" cy="5040560"/>
-          </a:xfrm>
-        </p:spPr>
+        <p:spPr/>
         <p:txBody>
           <a:bodyPr/>
           <a:lstStyle/>
           <a:p>
             <a:r>
-              <a:rPr lang="fr-FR" sz="2400" dirty="0" err="1"/>
+              <a:rPr lang="fr-FR" dirty="0" smtClean="0"/>
+              <a:t>Afin d'effectuer le code suivant</a:t>
+            </a:r>
+          </a:p>
+          <a:p>
+            <a:pPr lvl="1"/>
+            <a:r>
+              <a:rPr lang="fr-FR" dirty="0"/>
+              <a:t>&lt;p </a:t>
+            </a:r>
+            <a:r>
+              <a:rPr lang="fr-FR" dirty="0" err="1"/>
+              <a:t>appHighlight</a:t>
+            </a:r>
+            <a:r>
+              <a:rPr lang="fr-FR" dirty="0"/>
+              <a:t>&gt;</a:t>
+            </a:r>
+            <a:r>
+              <a:rPr lang="fr-FR" dirty="0" err="1"/>
+              <a:t>Highlight</a:t>
+            </a:r>
+            <a:r>
+              <a:rPr lang="fr-FR" dirty="0"/>
+              <a:t> me!&lt;/p</a:t>
+            </a:r>
+            <a:r>
+              <a:rPr lang="fr-FR" dirty="0" smtClean="0"/>
+              <a:t>&gt;</a:t>
+            </a:r>
+          </a:p>
+          <a:p>
+            <a:pPr lvl="1"/>
+            <a:r>
+              <a:rPr lang="fr-FR" dirty="0" smtClean="0"/>
+              <a:t>Il faut générer la directive</a:t>
+            </a:r>
+          </a:p>
+          <a:p>
+            <a:pPr lvl="1"/>
+            <a:r>
+              <a:rPr lang="fr-FR" dirty="0" err="1"/>
+              <a:t>ng</a:t>
+            </a:r>
+            <a:r>
+              <a:rPr lang="fr-FR" dirty="0"/>
+              <a:t> </a:t>
+            </a:r>
+            <a:r>
+              <a:rPr lang="fr-FR" dirty="0" err="1"/>
+              <a:t>generate</a:t>
+            </a:r>
+            <a:r>
+              <a:rPr lang="fr-FR" dirty="0"/>
+              <a:t> directive </a:t>
+            </a:r>
+            <a:r>
+              <a:rPr lang="fr-FR" dirty="0" err="1" smtClean="0"/>
+              <a:t>highlight</a:t>
+            </a:r>
+            <a:endParaRPr lang="fr-FR" dirty="0" smtClean="0"/>
+          </a:p>
+          <a:p>
+            <a:pPr lvl="1"/>
+            <a:r>
+              <a:rPr lang="fr-FR" dirty="0" err="1"/>
+              <a:t>ElementRef</a:t>
+            </a:r>
+            <a:r>
+              <a:rPr lang="fr-FR" dirty="0"/>
+              <a:t> est injecté dans le constructeur par </a:t>
+            </a:r>
+            <a:r>
+              <a:rPr lang="fr-FR" dirty="0" err="1"/>
               <a:t>Angular</a:t>
             </a:r>
             <a:r>
-              <a:rPr lang="fr-FR" sz="2400" dirty="0"/>
-              <a:t> propose le décorateur @</a:t>
-            </a:r>
-            <a:r>
-              <a:rPr lang="fr-FR" sz="2400" dirty="0" err="1"/>
-              <a:t>HostListener</a:t>
-            </a:r>
-            <a:r>
-              <a:rPr lang="fr-FR" sz="2400" dirty="0"/>
-              <a:t> pour positionner des </a:t>
-            </a:r>
-            <a:r>
-              <a:rPr lang="fr-FR" sz="2400" dirty="0" err="1"/>
-              <a:t>Listners</a:t>
-            </a:r>
-            <a:r>
-              <a:rPr lang="fr-FR" sz="2400" dirty="0"/>
-              <a:t> sur l'élément</a:t>
-            </a:r>
+              <a:rPr lang="fr-FR" dirty="0"/>
+              <a:t> afin de récupérer l'</a:t>
+            </a:r>
+            <a:r>
+              <a:rPr lang="fr-FR" dirty="0" err="1"/>
+              <a:t>élement</a:t>
+            </a:r>
+            <a:r>
+              <a:rPr lang="fr-FR" dirty="0"/>
+              <a:t> du DOM dans notre </a:t>
+            </a:r>
+            <a:r>
+              <a:rPr lang="fr-FR" dirty="0" smtClean="0"/>
+              <a:t>classe</a:t>
+            </a:r>
+          </a:p>
+          <a:p>
+            <a:pPr lvl="1"/>
+            <a:r>
+              <a:rPr lang="fr-FR" dirty="0" err="1" smtClean="0"/>
+              <a:t>NativeElement</a:t>
+            </a:r>
+            <a:r>
+              <a:rPr lang="fr-FR" dirty="0" smtClean="0"/>
+              <a:t> </a:t>
+            </a:r>
+            <a:r>
+              <a:rPr lang="fr-FR" smtClean="0"/>
+              <a:t>permet d'avoir </a:t>
+            </a:r>
+            <a:r>
+              <a:rPr lang="fr-FR" dirty="0" smtClean="0"/>
+              <a:t>le DOM</a:t>
+            </a:r>
+            <a:endParaRPr lang="fr-FR" dirty="0" smtClean="0"/>
+          </a:p>
+          <a:p>
+            <a:pPr lvl="1"/>
+            <a:endParaRPr lang="fr-FR" dirty="0" smtClean="0"/>
+          </a:p>
+          <a:p>
+            <a:pPr lvl="1"/>
+            <a:endParaRPr lang="fr-FR" dirty="0"/>
           </a:p>
         </p:txBody>
       </p:sp>
@@ -5513,8 +5492,8 @@
         </p:blipFill>
         <p:spPr>
           <a:xfrm>
-            <a:off x="3663193" y="932242"/>
-            <a:ext cx="6768752" cy="6001627"/>
+            <a:off x="4355976" y="4437112"/>
+            <a:ext cx="4356959" cy="2701695"/>
           </a:xfrm>
           <a:prstGeom prst="rect">
             <a:avLst/>
@@ -5524,7 +5503,7 @@
     </p:spTree>
     <p:extLst>
       <p:ext uri="{BB962C8B-B14F-4D97-AF65-F5344CB8AC3E}">
-        <p14:creationId xmlns:p14="http://schemas.microsoft.com/office/powerpoint/2010/main" val="4027374426"/>
+        <p14:creationId xmlns:p14="http://schemas.microsoft.com/office/powerpoint/2010/main" val="4154879116"/>
       </p:ext>
     </p:extLst>
   </p:cSld>
@@ -5575,7 +5554,7 @@
           <a:p>
             <a:r>
               <a:rPr lang="fr-FR" dirty="0" smtClean="0"/>
-              <a:t>@Input</a:t>
+              <a:t>Directive avec interaction</a:t>
             </a:r>
             <a:endParaRPr lang="fr-FR" dirty="0"/>
           </a:p>
@@ -5591,130 +5570,71 @@
             <p:ph idx="1"/>
           </p:nvPr>
         </p:nvSpPr>
-        <p:spPr/>
+        <p:spPr>
+          <a:xfrm>
+            <a:off x="179513" y="1412776"/>
+            <a:ext cx="3456384" cy="5040560"/>
+          </a:xfrm>
+        </p:spPr>
         <p:txBody>
           <a:bodyPr/>
           <a:lstStyle/>
           <a:p>
             <a:r>
-              <a:rPr lang="fr-FR" dirty="0" smtClean="0"/>
-              <a:t>@Input sera vu plus en détail dans le chapitre suivant</a:t>
-            </a:r>
-          </a:p>
-          <a:p>
-            <a:r>
-              <a:rPr lang="fr-FR" dirty="0" smtClean="0"/>
-              <a:t>Permet de passer un paramètre à une directive</a:t>
-            </a:r>
-          </a:p>
-          <a:p>
-            <a:r>
-              <a:rPr lang="fr-FR" dirty="0" smtClean="0"/>
-              <a:t>Si on ajoute dans la directive le code suivant :</a:t>
-            </a:r>
-          </a:p>
-          <a:p>
-            <a:pPr marL="457200" lvl="1" indent="0">
-              <a:buNone/>
-            </a:pPr>
-            <a:r>
-              <a:rPr lang="fr-FR" dirty="0"/>
-              <a:t>@Input('</a:t>
-            </a:r>
-            <a:r>
-              <a:rPr lang="fr-FR" dirty="0" err="1"/>
-              <a:t>appHighlight</a:t>
-            </a:r>
-            <a:r>
-              <a:rPr lang="fr-FR" dirty="0"/>
-              <a:t>') </a:t>
-            </a:r>
-            <a:r>
-              <a:rPr lang="fr-FR" dirty="0" err="1"/>
-              <a:t>highlightColor</a:t>
-            </a:r>
-            <a:r>
-              <a:rPr lang="fr-FR" dirty="0"/>
-              <a:t>: string</a:t>
-            </a:r>
-            <a:r>
-              <a:rPr lang="fr-FR" dirty="0" smtClean="0"/>
-              <a:t>;</a:t>
-            </a:r>
-          </a:p>
-          <a:p>
-            <a:pPr marL="457200" lvl="1" indent="0">
-              <a:buNone/>
-            </a:pPr>
-            <a:r>
-              <a:rPr lang="fr-FR" dirty="0" smtClean="0"/>
-              <a:t>// Ce code remplace "</a:t>
-            </a:r>
-            <a:r>
-              <a:rPr lang="fr-FR" dirty="0" err="1" smtClean="0"/>
-              <a:t>yellow</a:t>
-            </a:r>
-            <a:r>
-              <a:rPr lang="fr-FR" dirty="0" smtClean="0"/>
-              <a:t>"</a:t>
-            </a:r>
-          </a:p>
-          <a:p>
-            <a:r>
-              <a:rPr lang="fr-FR" dirty="0" smtClean="0"/>
-              <a:t>Appel</a:t>
-            </a:r>
-          </a:p>
-          <a:p>
-            <a:pPr marL="457200" lvl="1" indent="0">
-              <a:buNone/>
-            </a:pPr>
-            <a:r>
-              <a:rPr lang="en-US" dirty="0"/>
-              <a:t>&lt;div [</a:t>
-            </a:r>
-            <a:r>
-              <a:rPr lang="en-US" dirty="0" err="1"/>
-              <a:t>appHighlight</a:t>
-            </a:r>
-            <a:r>
-              <a:rPr lang="en-US" dirty="0"/>
-              <a:t>]="'yellow'"&gt;</a:t>
-            </a:r>
-            <a:r>
-              <a:rPr lang="en-US" dirty="0" err="1"/>
-              <a:t>Texte</a:t>
-            </a:r>
-            <a:r>
-              <a:rPr lang="en-US" dirty="0"/>
-              <a:t> </a:t>
-            </a:r>
-            <a:r>
-              <a:rPr lang="en-US" dirty="0" err="1"/>
-              <a:t>en</a:t>
-            </a:r>
-            <a:r>
-              <a:rPr lang="en-US" dirty="0"/>
-              <a:t> highlight&lt;/div&gt;</a:t>
-            </a:r>
-            <a:endParaRPr lang="fr-FR" dirty="0" smtClean="0"/>
-          </a:p>
-          <a:p>
-            <a:pPr marL="457200" lvl="1" indent="0">
-              <a:buNone/>
-            </a:pPr>
-            <a:r>
-              <a:rPr lang="fr-FR" dirty="0"/>
-              <a:t>	</a:t>
-            </a:r>
-            <a:endParaRPr lang="fr-FR" dirty="0" smtClean="0"/>
+              <a:rPr lang="fr-FR" sz="2400" dirty="0" err="1"/>
+              <a:t>Angular</a:t>
+            </a:r>
+            <a:r>
+              <a:rPr lang="fr-FR" sz="2400" dirty="0"/>
+              <a:t> propose le décorateur @</a:t>
+            </a:r>
+            <a:r>
+              <a:rPr lang="fr-FR" sz="2400" dirty="0" err="1"/>
+              <a:t>HostListener</a:t>
+            </a:r>
+            <a:r>
+              <a:rPr lang="fr-FR" sz="2400" dirty="0"/>
+              <a:t> pour positionner des </a:t>
+            </a:r>
+            <a:r>
+              <a:rPr lang="fr-FR" sz="2400" dirty="0" err="1"/>
+              <a:t>Listners</a:t>
+            </a:r>
+            <a:r>
+              <a:rPr lang="fr-FR" sz="2400" dirty="0"/>
+              <a:t> sur l'élément</a:t>
+            </a:r>
           </a:p>
         </p:txBody>
       </p:sp>
+      <p:pic>
+        <p:nvPicPr>
+          <p:cNvPr id="4" name="Image 3"/>
+          <p:cNvPicPr>
+            <a:picLocks noChangeAspect="1"/>
+          </p:cNvPicPr>
+          <p:nvPr/>
+        </p:nvPicPr>
+        <p:blipFill>
+          <a:blip r:embed="rId2"/>
+          <a:stretch>
+            <a:fillRect/>
+          </a:stretch>
+        </p:blipFill>
+        <p:spPr>
+          <a:xfrm>
+            <a:off x="3663193" y="932242"/>
+            <a:ext cx="6768752" cy="6001627"/>
+          </a:xfrm>
+          <a:prstGeom prst="rect">
+            <a:avLst/>
+          </a:prstGeom>
+        </p:spPr>
+      </p:pic>
     </p:spTree>
     <p:extLst>
       <p:ext uri="{BB962C8B-B14F-4D97-AF65-F5344CB8AC3E}">
-        <p14:creationId xmlns:p14="http://schemas.microsoft.com/office/powerpoint/2010/main" val="3990031671"/>
+        <p14:creationId xmlns:p14="http://schemas.microsoft.com/office/powerpoint/2010/main" val="4027374426"/>
       </p:ext>
     </p:extLst>
   </p:cSld>
@@ -5870,7 +5790,7 @@
           <a:p>
             <a:r>
               <a:rPr lang="fr-FR" dirty="0" smtClean="0"/>
-              <a:t>Directives structurelles</a:t>
+              <a:t>@Input</a:t>
             </a:r>
             <a:endParaRPr lang="fr-FR" dirty="0"/>
           </a:p>
@@ -5893,75 +5813,19 @@
           <a:p>
             <a:r>
               <a:rPr lang="fr-FR" dirty="0" smtClean="0"/>
-              <a:t>Les directives structurelles sont préfixées par *</a:t>
-            </a:r>
-          </a:p>
-          <a:p>
-            <a:pPr lvl="1"/>
-            <a:r>
-              <a:rPr lang="fr-FR" dirty="0" smtClean="0"/>
-              <a:t>Signifie qu'elle modifie le DOM</a:t>
-            </a:r>
-          </a:p>
-          <a:p>
-            <a:pPr lvl="1"/>
-            <a:r>
-              <a:rPr lang="fr-FR" dirty="0" smtClean="0"/>
-              <a:t>Par exemple *</a:t>
-            </a:r>
-            <a:r>
-              <a:rPr lang="fr-FR" dirty="0" err="1" smtClean="0"/>
-              <a:t>ngIf</a:t>
-            </a:r>
-            <a:endParaRPr lang="fr-FR" dirty="0" smtClean="0"/>
-          </a:p>
-          <a:p>
-            <a:r>
-              <a:rPr lang="fr-FR" dirty="0"/>
-              <a:t>L'astérisque est "sucre syntaxique" pour quelque chose d'un peu plus </a:t>
-            </a:r>
-            <a:r>
-              <a:rPr lang="fr-FR" dirty="0" smtClean="0"/>
-              <a:t>compliqué</a:t>
-            </a:r>
-          </a:p>
-          <a:p>
-            <a:pPr lvl="1"/>
-            <a:r>
-              <a:rPr lang="fr-FR" dirty="0" smtClean="0"/>
-              <a:t>En </a:t>
-            </a:r>
-            <a:r>
-              <a:rPr lang="fr-FR" dirty="0"/>
-              <a:t>interne, </a:t>
-            </a:r>
-            <a:r>
-              <a:rPr lang="fr-FR" dirty="0" err="1"/>
-              <a:t>Angular</a:t>
-            </a:r>
-            <a:r>
-              <a:rPr lang="fr-FR" dirty="0"/>
-              <a:t> traduit l' attribut * </a:t>
-            </a:r>
-            <a:r>
-              <a:rPr lang="fr-FR" dirty="0" err="1"/>
-              <a:t>ngIf</a:t>
-            </a:r>
-            <a:r>
-              <a:rPr lang="fr-FR" dirty="0"/>
-              <a:t> en un élément &lt;</a:t>
-            </a:r>
-            <a:r>
-              <a:rPr lang="fr-FR" dirty="0" err="1"/>
-              <a:t>ng-template</a:t>
-            </a:r>
-            <a:r>
-              <a:rPr lang="fr-FR" dirty="0"/>
-              <a:t>&gt; , enroulé autour de l'élément host, comme </a:t>
-            </a:r>
-            <a:r>
-              <a:rPr lang="fr-FR" dirty="0" smtClean="0"/>
-              <a:t>ceci</a:t>
+              <a:t>@Input sera vu plus en détail dans le chapitre suivant</a:t>
+            </a:r>
+          </a:p>
+          <a:p>
+            <a:r>
+              <a:rPr lang="fr-FR" dirty="0" smtClean="0"/>
+              <a:t>Permet de passer un paramètre à une directive</a:t>
+            </a:r>
+          </a:p>
+          <a:p>
+            <a:r>
+              <a:rPr lang="fr-FR" dirty="0" smtClean="0"/>
+              <a:t>Si on ajoute dans la directive le code suivant :</a:t>
             </a:r>
           </a:p>
           <a:p>
@@ -5969,36 +5833,28 @@
               <a:buNone/>
             </a:pPr>
             <a:r>
-              <a:rPr lang="fr-FR" dirty="0" smtClean="0"/>
-              <a:t>&lt;</a:t>
-            </a:r>
-            <a:r>
-              <a:rPr lang="fr-FR" dirty="0" err="1" smtClean="0"/>
-              <a:t>ng-template</a:t>
-            </a:r>
-            <a:r>
-              <a:rPr lang="fr-FR" dirty="0" smtClean="0"/>
-              <a:t> </a:t>
-            </a:r>
-            <a:r>
               <a:rPr lang="fr-FR" dirty="0"/>
-              <a:t>[</a:t>
+              <a:t>@Input('</a:t>
             </a:r>
             <a:r>
               <a:rPr lang="fr-FR" dirty="0" err="1"/>
-              <a:t>ngIf</a:t>
+              <a:t>appHighlight</a:t>
             </a:r>
             <a:r>
               <a:rPr lang="fr-FR" dirty="0"/>
-              <a:t>]="</a:t>
+              <a:t>') </a:t>
             </a:r>
             <a:r>
               <a:rPr lang="fr-FR" dirty="0" err="1"/>
-              <a:t>hero</a:t>
+              <a:t>highlightColor</a:t>
             </a:r>
             <a:r>
               <a:rPr lang="fr-FR" dirty="0"/>
-              <a:t>"&gt;</a:t>
+              <a:t>: string</a:t>
+            </a:r>
+            <a:r>
+              <a:rPr lang="fr-FR" dirty="0" smtClean="0"/>
+              <a:t>;</a:t>
             </a:r>
           </a:p>
           <a:p>
@@ -6006,16 +5862,22 @@
               <a:buNone/>
             </a:pPr>
             <a:r>
-              <a:rPr lang="fr-FR" dirty="0"/>
-              <a:t>  &lt;div class="</a:t>
-            </a:r>
-            <a:r>
-              <a:rPr lang="fr-FR" dirty="0" err="1"/>
-              <a:t>name</a:t>
-            </a:r>
-            <a:r>
-              <a:rPr lang="fr-FR" dirty="0"/>
-              <a:t>"&gt;{{hero.name}}&lt;/div&gt;</a:t>
+              <a:rPr lang="fr-FR" dirty="0" smtClean="0"/>
+              <a:t>// Ce code remplace "</a:t>
+            </a:r>
+            <a:r>
+              <a:rPr lang="fr-FR" dirty="0" err="1" smtClean="0"/>
+              <a:t>yellow</a:t>
+            </a:r>
+            <a:r>
+              <a:rPr lang="fr-FR" dirty="0" smtClean="0"/>
+              <a:t>"</a:t>
+            </a:r>
+          </a:p>
+          <a:p>
+            <a:r>
+              <a:rPr lang="fr-FR" dirty="0" smtClean="0"/>
+              <a:t>Appel</a:t>
             </a:r>
           </a:p>
           <a:p>
@@ -6023,24 +5885,51 @@
               <a:buNone/>
             </a:pPr>
             <a:r>
+              <a:rPr lang="en-US" dirty="0"/>
+              <a:t>&lt;div [</a:t>
+            </a:r>
+            <a:r>
+              <a:rPr lang="en-US" dirty="0" err="1"/>
+              <a:t>appHighlight</a:t>
+            </a:r>
+            <a:r>
+              <a:rPr lang="en-US" dirty="0"/>
+              <a:t>]="'yellow'"&gt;</a:t>
+            </a:r>
+            <a:r>
+              <a:rPr lang="en-US" dirty="0" err="1"/>
+              <a:t>Texte</a:t>
+            </a:r>
+            <a:r>
+              <a:rPr lang="en-US" dirty="0"/>
+              <a:t> </a:t>
+            </a:r>
+            <a:r>
+              <a:rPr lang="en-US" dirty="0" err="1"/>
+              <a:t>en</a:t>
+            </a:r>
+            <a:r>
+              <a:rPr lang="en-US" dirty="0"/>
+              <a:t> highlight&lt;/div&gt;</a:t>
+            </a:r>
+            <a:endParaRPr lang="fr-FR" dirty="0" smtClean="0"/>
+          </a:p>
+          <a:p>
+            <a:pPr marL="457200" lvl="1" indent="0">
+              <a:buNone/>
+            </a:pPr>
+            <a:r>
               <a:rPr lang="fr-FR" dirty="0"/>
-              <a:t>&lt;/</a:t>
-            </a:r>
-            <a:r>
-              <a:rPr lang="fr-FR" dirty="0" err="1"/>
-              <a:t>ng-template</a:t>
-            </a:r>
-            <a:r>
-              <a:rPr lang="fr-FR" dirty="0"/>
-              <a:t>&gt;</a:t>
-            </a:r>
+              <a:t>	</a:t>
+            </a:r>
+            <a:endParaRPr lang="fr-FR" dirty="0" smtClean="0"/>
           </a:p>
         </p:txBody>
       </p:sp>
     </p:spTree>
     <p:extLst>
       <p:ext uri="{BB962C8B-B14F-4D97-AF65-F5344CB8AC3E}">
-        <p14:creationId xmlns:p14="http://schemas.microsoft.com/office/powerpoint/2010/main" val="4219665326"/>
+        <p14:creationId xmlns:p14="http://schemas.microsoft.com/office/powerpoint/2010/main" val="3990031671"/>
       </p:ext>
     </p:extLst>
   </p:cSld>
@@ -6091,6 +5980,227 @@
           <a:p>
             <a:r>
               <a:rPr lang="fr-FR" dirty="0" smtClean="0"/>
+              <a:t>Directives structurelles</a:t>
+            </a:r>
+            <a:endParaRPr lang="fr-FR" dirty="0"/>
+          </a:p>
+        </p:txBody>
+      </p:sp>
+      <p:sp>
+        <p:nvSpPr>
+          <p:cNvPr id="3" name="Espace réservé du contenu 2"/>
+          <p:cNvSpPr>
+            <a:spLocks noGrp="1"/>
+          </p:cNvSpPr>
+          <p:nvPr>
+            <p:ph idx="1"/>
+          </p:nvPr>
+        </p:nvSpPr>
+        <p:spPr/>
+        <p:txBody>
+          <a:bodyPr/>
+          <a:lstStyle/>
+          <a:p>
+            <a:r>
+              <a:rPr lang="fr-FR" dirty="0" smtClean="0"/>
+              <a:t>Les directives structurelles sont préfixées par *</a:t>
+            </a:r>
+          </a:p>
+          <a:p>
+            <a:pPr lvl="1"/>
+            <a:r>
+              <a:rPr lang="fr-FR" dirty="0" smtClean="0"/>
+              <a:t>Signifie qu'elle modifie le DOM</a:t>
+            </a:r>
+          </a:p>
+          <a:p>
+            <a:pPr lvl="1"/>
+            <a:r>
+              <a:rPr lang="fr-FR" dirty="0" smtClean="0"/>
+              <a:t>Par exemple *</a:t>
+            </a:r>
+            <a:r>
+              <a:rPr lang="fr-FR" dirty="0" err="1" smtClean="0"/>
+              <a:t>ngIf</a:t>
+            </a:r>
+            <a:endParaRPr lang="fr-FR" dirty="0" smtClean="0"/>
+          </a:p>
+          <a:p>
+            <a:r>
+              <a:rPr lang="fr-FR" dirty="0"/>
+              <a:t>L'astérisque est "sucre syntaxique" pour quelque chose d'un peu plus </a:t>
+            </a:r>
+            <a:r>
+              <a:rPr lang="fr-FR" dirty="0" smtClean="0"/>
+              <a:t>compliqué</a:t>
+            </a:r>
+          </a:p>
+          <a:p>
+            <a:pPr lvl="1"/>
+            <a:r>
+              <a:rPr lang="fr-FR" dirty="0" smtClean="0"/>
+              <a:t>En </a:t>
+            </a:r>
+            <a:r>
+              <a:rPr lang="fr-FR" dirty="0"/>
+              <a:t>interne, </a:t>
+            </a:r>
+            <a:r>
+              <a:rPr lang="fr-FR" dirty="0" err="1"/>
+              <a:t>Angular</a:t>
+            </a:r>
+            <a:r>
+              <a:rPr lang="fr-FR" dirty="0"/>
+              <a:t> traduit l' attribut * </a:t>
+            </a:r>
+            <a:r>
+              <a:rPr lang="fr-FR" dirty="0" err="1"/>
+              <a:t>ngIf</a:t>
+            </a:r>
+            <a:r>
+              <a:rPr lang="fr-FR" dirty="0"/>
+              <a:t> en un élément &lt;</a:t>
+            </a:r>
+            <a:r>
+              <a:rPr lang="fr-FR" dirty="0" err="1"/>
+              <a:t>ng-template</a:t>
+            </a:r>
+            <a:r>
+              <a:rPr lang="fr-FR" dirty="0"/>
+              <a:t>&gt; , enroulé autour de l'élément host, comme </a:t>
+            </a:r>
+            <a:r>
+              <a:rPr lang="fr-FR" dirty="0" smtClean="0"/>
+              <a:t>ceci</a:t>
+            </a:r>
+          </a:p>
+          <a:p>
+            <a:pPr marL="457200" lvl="1" indent="0">
+              <a:buNone/>
+            </a:pPr>
+            <a:r>
+              <a:rPr lang="fr-FR" dirty="0" smtClean="0"/>
+              <a:t>&lt;</a:t>
+            </a:r>
+            <a:r>
+              <a:rPr lang="fr-FR" dirty="0" err="1" smtClean="0"/>
+              <a:t>ng-template</a:t>
+            </a:r>
+            <a:r>
+              <a:rPr lang="fr-FR" dirty="0" smtClean="0"/>
+              <a:t> </a:t>
+            </a:r>
+            <a:r>
+              <a:rPr lang="fr-FR" dirty="0"/>
+              <a:t>[</a:t>
+            </a:r>
+            <a:r>
+              <a:rPr lang="fr-FR" dirty="0" err="1"/>
+              <a:t>ngIf</a:t>
+            </a:r>
+            <a:r>
+              <a:rPr lang="fr-FR" dirty="0"/>
+              <a:t>]="</a:t>
+            </a:r>
+            <a:r>
+              <a:rPr lang="fr-FR" dirty="0" err="1"/>
+              <a:t>hero</a:t>
+            </a:r>
+            <a:r>
+              <a:rPr lang="fr-FR" dirty="0"/>
+              <a:t>"&gt;</a:t>
+            </a:r>
+          </a:p>
+          <a:p>
+            <a:pPr marL="457200" lvl="1" indent="0">
+              <a:buNone/>
+            </a:pPr>
+            <a:r>
+              <a:rPr lang="fr-FR" dirty="0"/>
+              <a:t>  &lt;div class="</a:t>
+            </a:r>
+            <a:r>
+              <a:rPr lang="fr-FR" dirty="0" err="1"/>
+              <a:t>name</a:t>
+            </a:r>
+            <a:r>
+              <a:rPr lang="fr-FR" dirty="0"/>
+              <a:t>"&gt;{{hero.name}}&lt;/div&gt;</a:t>
+            </a:r>
+          </a:p>
+          <a:p>
+            <a:pPr marL="457200" lvl="1" indent="0">
+              <a:buNone/>
+            </a:pPr>
+            <a:r>
+              <a:rPr lang="fr-FR" dirty="0"/>
+              <a:t>&lt;/</a:t>
+            </a:r>
+            <a:r>
+              <a:rPr lang="fr-FR" dirty="0" err="1"/>
+              <a:t>ng-template</a:t>
+            </a:r>
+            <a:r>
+              <a:rPr lang="fr-FR" dirty="0"/>
+              <a:t>&gt;</a:t>
+            </a:r>
+          </a:p>
+        </p:txBody>
+      </p:sp>
+    </p:spTree>
+    <p:extLst>
+      <p:ext uri="{BB962C8B-B14F-4D97-AF65-F5344CB8AC3E}">
+        <p14:creationId xmlns:p14="http://schemas.microsoft.com/office/powerpoint/2010/main" val="4219665326"/>
+      </p:ext>
+    </p:extLst>
+  </p:cSld>
+  <p:clrMapOvr>
+    <a:masterClrMapping/>
+  </p:clrMapOvr>
+  <p:timing>
+    <p:tnLst>
+      <p:par>
+        <p:cTn id="1" dur="indefinite" restart="never" nodeType="tmRoot"/>
+      </p:par>
+    </p:tnLst>
+  </p:timing>
+</p:sld>
+</file>
+
+<file path=ppt/slides/slide22.xml><?xml version="1.0" encoding="utf-8"?>
+<p:sld xmlns:a="http://schemas.openxmlformats.org/drawingml/2006/main" xmlns:r="http://schemas.openxmlformats.org/officeDocument/2006/relationships" xmlns:p="http://schemas.openxmlformats.org/presentationml/2006/main">
+  <p:cSld>
+    <p:spTree>
+      <p:nvGrpSpPr>
+        <p:cNvPr id="1" name=""/>
+        <p:cNvGrpSpPr/>
+        <p:nvPr/>
+      </p:nvGrpSpPr>
+      <p:grpSpPr>
+        <a:xfrm>
+          <a:off x="0" y="0"/>
+          <a:ext cx="0" cy="0"/>
+          <a:chOff x="0" y="0"/>
+          <a:chExt cx="0" cy="0"/>
+        </a:xfrm>
+      </p:grpSpPr>
+      <p:sp>
+        <p:nvSpPr>
+          <p:cNvPr id="2" name="Titre 1"/>
+          <p:cNvSpPr>
+            <a:spLocks noGrp="1"/>
+          </p:cNvSpPr>
+          <p:nvPr>
+            <p:ph type="title"/>
+          </p:nvPr>
+        </p:nvSpPr>
+        <p:spPr/>
+        <p:txBody>
+          <a:bodyPr/>
+          <a:lstStyle/>
+          <a:p>
+            <a:r>
+              <a:rPr lang="fr-FR" dirty="0" smtClean="0"/>
               <a:t>Ecrire une directive structurelle</a:t>
             </a:r>
             <a:endParaRPr lang="fr-FR" dirty="0"/>
@@ -6203,10 +6313,17 @@
   <p:clrMapOvr>
     <a:masterClrMapping/>
   </p:clrMapOvr>
+  <p:timing>
+    <p:tnLst>
+      <p:par>
+        <p:cTn id="1" dur="indefinite" restart="never" nodeType="tmRoot"/>
+      </p:par>
+    </p:tnLst>
+  </p:timing>
 </p:sld>
 </file>
 
-<file path=ppt/slides/slide22.xml><?xml version="1.0" encoding="utf-8"?>
+<file path=ppt/slides/slide23.xml><?xml version="1.0" encoding="utf-8"?>
 <p:sld xmlns:a="http://schemas.openxmlformats.org/drawingml/2006/main" xmlns:r="http://schemas.openxmlformats.org/officeDocument/2006/relationships" xmlns:p="http://schemas.openxmlformats.org/presentationml/2006/main">
   <p:cSld>
     <p:spTree>
@@ -6425,10 +6542,17 @@
   <p:clrMapOvr>
     <a:masterClrMapping/>
   </p:clrMapOvr>
+  <p:timing>
+    <p:tnLst>
+      <p:par>
+        <p:cTn id="1" dur="indefinite" restart="never" nodeType="tmRoot"/>
+      </p:par>
+    </p:tnLst>
+  </p:timing>
 </p:sld>
 </file>
 
-<file path=ppt/slides/slide23.xml><?xml version="1.0" encoding="utf-8"?>
+<file path=ppt/slides/slide24.xml><?xml version="1.0" encoding="utf-8"?>
 <p:sld xmlns:a="http://schemas.openxmlformats.org/drawingml/2006/main" xmlns:r="http://schemas.openxmlformats.org/officeDocument/2006/relationships" xmlns:p="http://schemas.openxmlformats.org/presentationml/2006/main">
   <p:cSld>
     <p:spTree>
@@ -6546,6 +6670,13 @@
   <p:clrMapOvr>
     <a:masterClrMapping/>
   </p:clrMapOvr>
+  <p:timing>
+    <p:tnLst>
+      <p:par>
+        <p:cTn id="1" dur="indefinite" restart="never" nodeType="tmRoot"/>
+      </p:par>
+    </p:tnLst>
+  </p:timing>
 </p:sld>
 </file>
 
@@ -6634,8 +6765,12 @@
           <a:p>
             <a:pPr lvl="1"/>
             <a:r>
+              <a:rPr lang="en-US" dirty="0" smtClean="0"/>
+              <a:t>&lt;div </a:t>
+            </a:r>
+            <a:r>
               <a:rPr lang="en-US" dirty="0"/>
-              <a:t>&lt;li *</a:t>
+              <a:t>*</a:t>
             </a:r>
             <a:r>
               <a:rPr lang="en-US" dirty="0" err="1"/>

--- a/PPT/Angular09-Directives.pptx
+++ b/PPT/Angular09-Directives.pptx
@@ -4034,8 +4034,20 @@
               <a:buNone/>
             </a:pPr>
             <a:r>
+              <a:rPr lang="fr-FR" dirty="0" smtClean="0"/>
+              <a:t>&lt;</a:t>
+            </a:r>
+            <a:r>
+              <a:rPr lang="fr-FR" dirty="0" smtClean="0"/>
+              <a:t>div</a:t>
+            </a:r>
+            <a:r>
+              <a:rPr lang="fr-FR" dirty="0" smtClean="0"/>
+              <a:t> </a:t>
+            </a:r>
+            <a:r>
               <a:rPr lang="fr-FR" dirty="0"/>
-              <a:t>&lt;li *</a:t>
+              <a:t>*</a:t>
             </a:r>
             <a:r>
               <a:rPr lang="fr-FR" dirty="0" err="1"/>
@@ -4084,11 +4096,15 @@
             </a:r>
             <a:r>
               <a:rPr lang="fr-FR" dirty="0" smtClean="0"/>
-              <a:t>lick signifie </a:t>
-            </a:r>
-            <a:r>
-              <a:rPr lang="fr-FR" dirty="0" err="1" smtClean="0"/>
-              <a:t>onClick</a:t>
+              <a:t>lick </a:t>
+            </a:r>
+            <a:r>
+              <a:rPr lang="fr-FR" smtClean="0"/>
+              <a:t>signifie </a:t>
+            </a:r>
+            <a:r>
+              <a:rPr lang="fr-FR" smtClean="0"/>
+              <a:t>on-click</a:t>
             </a:r>
             <a:endParaRPr lang="fr-FR" dirty="0" smtClean="0"/>
           </a:p>
@@ -5464,7 +5480,6 @@
               <a:rPr lang="fr-FR" dirty="0" smtClean="0"/>
               <a:t>le DOM</a:t>
             </a:r>
-            <a:endParaRPr lang="fr-FR" dirty="0" smtClean="0"/>
           </a:p>
           <a:p>
             <a:pPr lvl="1"/>

--- a/PPT/Angular09-Directives.pptx
+++ b/PPT/Angular09-Directives.pptx
@@ -4035,15 +4035,7 @@
             </a:pPr>
             <a:r>
               <a:rPr lang="fr-FR" dirty="0" smtClean="0"/>
-              <a:t>&lt;</a:t>
-            </a:r>
-            <a:r>
-              <a:rPr lang="fr-FR" dirty="0" smtClean="0"/>
-              <a:t>div</a:t>
-            </a:r>
-            <a:r>
-              <a:rPr lang="fr-FR" dirty="0" smtClean="0"/>
-              <a:t> </a:t>
+              <a:t>&lt;div </a:t>
             </a:r>
             <a:r>
               <a:rPr lang="fr-FR" dirty="0"/>
@@ -4100,11 +4092,7 @@
             </a:r>
             <a:r>
               <a:rPr lang="fr-FR" smtClean="0"/>
-              <a:t>signifie </a:t>
-            </a:r>
-            <a:r>
-              <a:rPr lang="fr-FR" smtClean="0"/>
-              <a:t>on-click</a:t>
+              <a:t>signifie on-click</a:t>
             </a:r>
             <a:endParaRPr lang="fr-FR" dirty="0" smtClean="0"/>
           </a:p>
@@ -4408,12 +4396,12 @@
               <a:t>Il faut alors ajouter dans le code le </a:t>
             </a:r>
             <a:r>
-              <a:rPr lang="fr-FR" dirty="0" err="1" smtClean="0"/>
-              <a:t>chagement</a:t>
-            </a:r>
-            <a:r>
-              <a:rPr lang="fr-FR" dirty="0" smtClean="0"/>
-              <a:t> de classe CSS</a:t>
+              <a:rPr lang="fr-FR" dirty="0" smtClean="0"/>
+              <a:t>changement </a:t>
+            </a:r>
+            <a:r>
+              <a:rPr lang="fr-FR" dirty="0" smtClean="0"/>
+              <a:t>de classe CSS</a:t>
             </a:r>
           </a:p>
           <a:p>
